--- a/02-clean-code & testing/CleanCode.pptx
+++ b/02-clean-code & testing/CleanCode.pptx
@@ -11123,9 +11123,262 @@
   <p:timing>
     <p:tnLst>
       <p:par>
-        <p:cTn id="1" dur="indefinite" restart="never" nodeType="tmRoot"/>
+        <p:cTn id="1" dur="indefinite" restart="never" nodeType="tmRoot">
+          <p:childTnLst>
+            <p:seq concurrent="1" nextAc="seek">
+              <p:cTn id="2" dur="indefinite" nodeType="mainSeq">
+                <p:childTnLst>
+                  <p:par>
+                    <p:cTn id="3" fill="hold">
+                      <p:stCondLst>
+                        <p:cond delay="indefinite"/>
+                      </p:stCondLst>
+                      <p:childTnLst>
+                        <p:par>
+                          <p:cTn id="4" fill="hold">
+                            <p:stCondLst>
+                              <p:cond delay="0"/>
+                            </p:stCondLst>
+                            <p:childTnLst>
+                              <p:par>
+                                <p:cTn id="5" presetID="1" presetClass="entr" presetSubtype="0" fill="hold" grpId="0" nodeType="clickEffect">
+                                  <p:stCondLst>
+                                    <p:cond delay="0"/>
+                                  </p:stCondLst>
+                                  <p:childTnLst>
+                                    <p:set>
+                                      <p:cBhvr>
+                                        <p:cTn id="6" dur="1" fill="hold">
+                                          <p:stCondLst>
+                                            <p:cond delay="0"/>
+                                          </p:stCondLst>
+                                        </p:cTn>
+                                        <p:tgtEl>
+                                          <p:spTgt spid="3">
+                                            <p:txEl>
+                                              <p:pRg st="0" end="0"/>
+                                            </p:txEl>
+                                          </p:spTgt>
+                                        </p:tgtEl>
+                                        <p:attrNameLst>
+                                          <p:attrName>style.visibility</p:attrName>
+                                        </p:attrNameLst>
+                                      </p:cBhvr>
+                                      <p:to>
+                                        <p:strVal val="visible"/>
+                                      </p:to>
+                                    </p:set>
+                                  </p:childTnLst>
+                                </p:cTn>
+                              </p:par>
+                            </p:childTnLst>
+                          </p:cTn>
+                        </p:par>
+                      </p:childTnLst>
+                    </p:cTn>
+                  </p:par>
+                  <p:par>
+                    <p:cTn id="7" fill="hold">
+                      <p:stCondLst>
+                        <p:cond delay="indefinite"/>
+                      </p:stCondLst>
+                      <p:childTnLst>
+                        <p:par>
+                          <p:cTn id="8" fill="hold">
+                            <p:stCondLst>
+                              <p:cond delay="0"/>
+                            </p:stCondLst>
+                            <p:childTnLst>
+                              <p:par>
+                                <p:cTn id="9" presetID="1" presetClass="entr" presetSubtype="0" fill="hold" grpId="0" nodeType="clickEffect">
+                                  <p:stCondLst>
+                                    <p:cond delay="0"/>
+                                  </p:stCondLst>
+                                  <p:childTnLst>
+                                    <p:set>
+                                      <p:cBhvr>
+                                        <p:cTn id="10" dur="1" fill="hold">
+                                          <p:stCondLst>
+                                            <p:cond delay="0"/>
+                                          </p:stCondLst>
+                                        </p:cTn>
+                                        <p:tgtEl>
+                                          <p:spTgt spid="3">
+                                            <p:txEl>
+                                              <p:pRg st="1" end="1"/>
+                                            </p:txEl>
+                                          </p:spTgt>
+                                        </p:tgtEl>
+                                        <p:attrNameLst>
+                                          <p:attrName>style.visibility</p:attrName>
+                                        </p:attrNameLst>
+                                      </p:cBhvr>
+                                      <p:to>
+                                        <p:strVal val="visible"/>
+                                      </p:to>
+                                    </p:set>
+                                  </p:childTnLst>
+                                </p:cTn>
+                              </p:par>
+                              <p:par>
+                                <p:cTn id="11" presetID="1" presetClass="entr" presetSubtype="0" fill="hold" grpId="0" nodeType="withEffect">
+                                  <p:stCondLst>
+                                    <p:cond delay="0"/>
+                                  </p:stCondLst>
+                                  <p:childTnLst>
+                                    <p:set>
+                                      <p:cBhvr>
+                                        <p:cTn id="12" dur="1" fill="hold">
+                                          <p:stCondLst>
+                                            <p:cond delay="0"/>
+                                          </p:stCondLst>
+                                        </p:cTn>
+                                        <p:tgtEl>
+                                          <p:spTgt spid="3">
+                                            <p:txEl>
+                                              <p:pRg st="2" end="2"/>
+                                            </p:txEl>
+                                          </p:spTgt>
+                                        </p:tgtEl>
+                                        <p:attrNameLst>
+                                          <p:attrName>style.visibility</p:attrName>
+                                        </p:attrNameLst>
+                                      </p:cBhvr>
+                                      <p:to>
+                                        <p:strVal val="visible"/>
+                                      </p:to>
+                                    </p:set>
+                                  </p:childTnLst>
+                                </p:cTn>
+                              </p:par>
+                            </p:childTnLst>
+                          </p:cTn>
+                        </p:par>
+                      </p:childTnLst>
+                    </p:cTn>
+                  </p:par>
+                  <p:par>
+                    <p:cTn id="13" fill="hold">
+                      <p:stCondLst>
+                        <p:cond delay="indefinite"/>
+                      </p:stCondLst>
+                      <p:childTnLst>
+                        <p:par>
+                          <p:cTn id="14" fill="hold">
+                            <p:stCondLst>
+                              <p:cond delay="0"/>
+                            </p:stCondLst>
+                            <p:childTnLst>
+                              <p:par>
+                                <p:cTn id="15" presetID="1" presetClass="entr" presetSubtype="0" fill="hold" grpId="0" nodeType="clickEffect">
+                                  <p:stCondLst>
+                                    <p:cond delay="0"/>
+                                  </p:stCondLst>
+                                  <p:childTnLst>
+                                    <p:set>
+                                      <p:cBhvr>
+                                        <p:cTn id="16" dur="1" fill="hold">
+                                          <p:stCondLst>
+                                            <p:cond delay="0"/>
+                                          </p:stCondLst>
+                                        </p:cTn>
+                                        <p:tgtEl>
+                                          <p:spTgt spid="3">
+                                            <p:txEl>
+                                              <p:pRg st="3" end="3"/>
+                                            </p:txEl>
+                                          </p:spTgt>
+                                        </p:tgtEl>
+                                        <p:attrNameLst>
+                                          <p:attrName>style.visibility</p:attrName>
+                                        </p:attrNameLst>
+                                      </p:cBhvr>
+                                      <p:to>
+                                        <p:strVal val="visible"/>
+                                      </p:to>
+                                    </p:set>
+                                  </p:childTnLst>
+                                </p:cTn>
+                              </p:par>
+                            </p:childTnLst>
+                          </p:cTn>
+                        </p:par>
+                      </p:childTnLst>
+                    </p:cTn>
+                  </p:par>
+                  <p:par>
+                    <p:cTn id="17" fill="hold">
+                      <p:stCondLst>
+                        <p:cond delay="indefinite"/>
+                      </p:stCondLst>
+                      <p:childTnLst>
+                        <p:par>
+                          <p:cTn id="18" fill="hold">
+                            <p:stCondLst>
+                              <p:cond delay="0"/>
+                            </p:stCondLst>
+                            <p:childTnLst>
+                              <p:par>
+                                <p:cTn id="19" presetID="1" presetClass="entr" presetSubtype="0" fill="hold" grpId="0" nodeType="clickEffect">
+                                  <p:stCondLst>
+                                    <p:cond delay="0"/>
+                                  </p:stCondLst>
+                                  <p:childTnLst>
+                                    <p:set>
+                                      <p:cBhvr>
+                                        <p:cTn id="20" dur="1" fill="hold">
+                                          <p:stCondLst>
+                                            <p:cond delay="0"/>
+                                          </p:stCondLst>
+                                        </p:cTn>
+                                        <p:tgtEl>
+                                          <p:spTgt spid="3">
+                                            <p:txEl>
+                                              <p:pRg st="4" end="4"/>
+                                            </p:txEl>
+                                          </p:spTgt>
+                                        </p:tgtEl>
+                                        <p:attrNameLst>
+                                          <p:attrName>style.visibility</p:attrName>
+                                        </p:attrNameLst>
+                                      </p:cBhvr>
+                                      <p:to>
+                                        <p:strVal val="visible"/>
+                                      </p:to>
+                                    </p:set>
+                                  </p:childTnLst>
+                                </p:cTn>
+                              </p:par>
+                            </p:childTnLst>
+                          </p:cTn>
+                        </p:par>
+                      </p:childTnLst>
+                    </p:cTn>
+                  </p:par>
+                </p:childTnLst>
+              </p:cTn>
+              <p:prevCondLst>
+                <p:cond evt="onPrev" delay="0">
+                  <p:tgtEl>
+                    <p:sldTgt/>
+                  </p:tgtEl>
+                </p:cond>
+              </p:prevCondLst>
+              <p:nextCondLst>
+                <p:cond evt="onNext" delay="0">
+                  <p:tgtEl>
+                    <p:sldTgt/>
+                  </p:tgtEl>
+                </p:cond>
+              </p:nextCondLst>
+            </p:seq>
+          </p:childTnLst>
+        </p:cTn>
       </p:par>
     </p:tnLst>
+    <p:bldLst>
+      <p:bldP spid="3" grpId="0" build="p"/>
+    </p:bldLst>
   </p:timing>
 </p:sld>
 </file>
@@ -28158,7 +28411,7 @@
         <p:spPr>
           <a:xfrm>
             <a:off x="3423568" y="3584630"/>
-            <a:ext cx="2296864" cy="2554545"/>
+            <a:ext cx="2296864" cy="2062103"/>
           </a:xfrm>
           <a:prstGeom prst="rect">
             <a:avLst/>
@@ -28227,31 +28480,13 @@
           <a:p>
             <a:pPr fontAlgn="t"/>
             <a:r>
-              <a:rPr lang="en-US" sz="3200" b="1" dirty="0" err="1" smtClean="0">
+              <a:rPr lang="en-US" sz="3200" b="1" smtClean="0">
                 <a:solidFill>
                   <a:srgbClr val="FF0000"/>
                 </a:solidFill>
                 <a:latin typeface="Consolas"/>
               </a:rPr>
               <a:t>m_text</a:t>
-            </a:r>
-            <a:endParaRPr lang="en-US" sz="3200" b="1" dirty="0" smtClean="0">
-              <a:solidFill>
-                <a:srgbClr val="FF0000"/>
-              </a:solidFill>
-              <a:latin typeface="Consolas"/>
-            </a:endParaRPr>
-          </a:p>
-          <a:p>
-            <a:pPr fontAlgn="t"/>
-            <a:r>
-              <a:rPr lang="en-US" sz="3200" b="1" dirty="0" err="1" smtClean="0">
-                <a:solidFill>
-                  <a:srgbClr val="FF0000"/>
-                </a:solidFill>
-                <a:latin typeface="Consolas"/>
-              </a:rPr>
-              <a:t>zapros</a:t>
             </a:r>
             <a:endParaRPr lang="en-US" sz="3200" b="1" dirty="0" smtClean="0">
               <a:solidFill>
@@ -28693,55 +28928,6 @@
                                     <p:set>
                                       <p:cBhvr>
                                         <p:cTn id="38" dur="1" fill="hold">
-                                          <p:stCondLst>
-                                            <p:cond delay="0"/>
-                                          </p:stCondLst>
-                                        </p:cTn>
-                                        <p:tgtEl>
-                                          <p:spTgt spid="4">
-                                            <p:txEl>
-                                              <p:pRg st="4" end="4"/>
-                                            </p:txEl>
-                                          </p:spTgt>
-                                        </p:tgtEl>
-                                        <p:attrNameLst>
-                                          <p:attrName>style.visibility</p:attrName>
-                                        </p:attrNameLst>
-                                      </p:cBhvr>
-                                      <p:to>
-                                        <p:strVal val="visible"/>
-                                      </p:to>
-                                    </p:set>
-                                  </p:childTnLst>
-                                </p:cTn>
-                              </p:par>
-                            </p:childTnLst>
-                          </p:cTn>
-                        </p:par>
-                      </p:childTnLst>
-                    </p:cTn>
-                  </p:par>
-                  <p:par>
-                    <p:cTn id="39" fill="hold">
-                      <p:stCondLst>
-                        <p:cond delay="indefinite"/>
-                      </p:stCondLst>
-                      <p:childTnLst>
-                        <p:par>
-                          <p:cTn id="40" fill="hold">
-                            <p:stCondLst>
-                              <p:cond delay="0"/>
-                            </p:stCondLst>
-                            <p:childTnLst>
-                              <p:par>
-                                <p:cTn id="41" presetID="1" presetClass="entr" presetSubtype="0" fill="hold" grpId="0" nodeType="clickEffect">
-                                  <p:stCondLst>
-                                    <p:cond delay="0"/>
-                                  </p:stCondLst>
-                                  <p:childTnLst>
-                                    <p:set>
-                                      <p:cBhvr>
-                                        <p:cTn id="42" dur="1" fill="hold">
                                           <p:stCondLst>
                                             <p:cond delay="0"/>
                                           </p:stCondLst>

--- a/02-clean-code & testing/CleanCode.pptx
+++ b/02-clean-code & testing/CleanCode.pptx
@@ -5,10 +5,10 @@
     <p:sldMasterId id="2147483648" r:id="rId1"/>
   </p:sldMasterIdLst>
   <p:notesMasterIdLst>
-    <p:notesMasterId r:id="rId61"/>
+    <p:notesMasterId r:id="rId62"/>
   </p:notesMasterIdLst>
   <p:handoutMasterIdLst>
-    <p:handoutMasterId r:id="rId62"/>
+    <p:handoutMasterId r:id="rId63"/>
   </p:handoutMasterIdLst>
   <p:sldIdLst>
     <p:sldId id="306" r:id="rId2"/>
@@ -48,28 +48,29 @@
     <p:sldId id="397" r:id="rId36"/>
     <p:sldId id="399" r:id="rId37"/>
     <p:sldId id="398" r:id="rId38"/>
-    <p:sldId id="358" r:id="rId39"/>
-    <p:sldId id="359" r:id="rId40"/>
-    <p:sldId id="400" r:id="rId41"/>
-    <p:sldId id="381" r:id="rId42"/>
-    <p:sldId id="376" r:id="rId43"/>
-    <p:sldId id="360" r:id="rId44"/>
-    <p:sldId id="361" r:id="rId45"/>
-    <p:sldId id="362" r:id="rId46"/>
-    <p:sldId id="405" r:id="rId47"/>
-    <p:sldId id="404" r:id="rId48"/>
-    <p:sldId id="407" r:id="rId49"/>
-    <p:sldId id="377" r:id="rId50"/>
-    <p:sldId id="401" r:id="rId51"/>
-    <p:sldId id="365" r:id="rId52"/>
-    <p:sldId id="403" r:id="rId53"/>
-    <p:sldId id="366" r:id="rId54"/>
-    <p:sldId id="369" r:id="rId55"/>
-    <p:sldId id="406" r:id="rId56"/>
-    <p:sldId id="370" r:id="rId57"/>
-    <p:sldId id="371" r:id="rId58"/>
-    <p:sldId id="318" r:id="rId59"/>
-    <p:sldId id="319" r:id="rId60"/>
+    <p:sldId id="411" r:id="rId39"/>
+    <p:sldId id="358" r:id="rId40"/>
+    <p:sldId id="359" r:id="rId41"/>
+    <p:sldId id="400" r:id="rId42"/>
+    <p:sldId id="381" r:id="rId43"/>
+    <p:sldId id="376" r:id="rId44"/>
+    <p:sldId id="360" r:id="rId45"/>
+    <p:sldId id="361" r:id="rId46"/>
+    <p:sldId id="362" r:id="rId47"/>
+    <p:sldId id="405" r:id="rId48"/>
+    <p:sldId id="404" r:id="rId49"/>
+    <p:sldId id="407" r:id="rId50"/>
+    <p:sldId id="377" r:id="rId51"/>
+    <p:sldId id="401" r:id="rId52"/>
+    <p:sldId id="365" r:id="rId53"/>
+    <p:sldId id="403" r:id="rId54"/>
+    <p:sldId id="366" r:id="rId55"/>
+    <p:sldId id="369" r:id="rId56"/>
+    <p:sldId id="406" r:id="rId57"/>
+    <p:sldId id="370" r:id="rId58"/>
+    <p:sldId id="371" r:id="rId59"/>
+    <p:sldId id="318" r:id="rId60"/>
+    <p:sldId id="319" r:id="rId61"/>
   </p:sldIdLst>
   <p:sldSz cx="9144000" cy="6858000" type="screen4x3"/>
   <p:notesSz cx="6858000" cy="9144000"/>
@@ -253,7 +254,7 @@
           <a:p>
             <a:fld id="{2C2C51BA-9C8E-4938-991B-0B9DAB69953D}" type="datetimeFigureOut">
               <a:rPr lang="ru-RU" smtClean="0"/>
-              <a:t>20.03.2014</a:t>
+              <a:t>21.03.2014</a:t>
             </a:fld>
             <a:endParaRPr lang="ru-RU"/>
           </a:p>
@@ -418,7 +419,7 @@
           <a:p>
             <a:fld id="{426FB16C-8069-43A4-A09F-21010F2DDFB6}" type="datetimeFigureOut">
               <a:rPr lang="ru-RU" smtClean="0"/>
-              <a:t>20.03.2014</a:t>
+              <a:t>21.03.2014</a:t>
             </a:fld>
             <a:endParaRPr lang="ru-RU"/>
           </a:p>
@@ -1078,7 +1079,7 @@
           <a:p>
             <a:fld id="{414C0F9C-8EEB-4FCC-AFE2-CBC89CE9F378}" type="slidenum">
               <a:rPr lang="ru-RU" smtClean="0"/>
-              <a:t>38</a:t>
+              <a:t>39</a:t>
             </a:fld>
             <a:endParaRPr lang="ru-RU"/>
           </a:p>
@@ -1162,7 +1163,7 @@
           <a:p>
             <a:fld id="{414C0F9C-8EEB-4FCC-AFE2-CBC89CE9F378}" type="slidenum">
               <a:rPr lang="ru-RU" smtClean="0"/>
-              <a:t>39</a:t>
+              <a:t>40</a:t>
             </a:fld>
             <a:endParaRPr lang="ru-RU"/>
           </a:p>
@@ -1246,7 +1247,7 @@
           <a:p>
             <a:fld id="{414C0F9C-8EEB-4FCC-AFE2-CBC89CE9F378}" type="slidenum">
               <a:rPr lang="ru-RU" smtClean="0"/>
-              <a:t>40</a:t>
+              <a:t>41</a:t>
             </a:fld>
             <a:endParaRPr lang="ru-RU"/>
           </a:p>
@@ -1330,7 +1331,7 @@
           <a:p>
             <a:fld id="{414C0F9C-8EEB-4FCC-AFE2-CBC89CE9F378}" type="slidenum">
               <a:rPr lang="ru-RU" smtClean="0"/>
-              <a:t>44</a:t>
+              <a:t>45</a:t>
             </a:fld>
             <a:endParaRPr lang="ru-RU"/>
           </a:p>
@@ -1447,7 +1448,7 @@
           <a:p>
             <a:fld id="{414C0F9C-8EEB-4FCC-AFE2-CBC89CE9F378}" type="slidenum">
               <a:rPr lang="ru-RU" smtClean="0"/>
-              <a:t>46</a:t>
+              <a:t>47</a:t>
             </a:fld>
             <a:endParaRPr lang="ru-RU"/>
           </a:p>
@@ -1564,7 +1565,7 @@
           <a:p>
             <a:fld id="{414C0F9C-8EEB-4FCC-AFE2-CBC89CE9F378}" type="slidenum">
               <a:rPr lang="ru-RU" smtClean="0"/>
-              <a:t>47</a:t>
+              <a:t>48</a:t>
             </a:fld>
             <a:endParaRPr lang="ru-RU"/>
           </a:p>
@@ -1648,7 +1649,7 @@
           <a:p>
             <a:fld id="{414C0F9C-8EEB-4FCC-AFE2-CBC89CE9F378}" type="slidenum">
               <a:rPr lang="ru-RU" smtClean="0"/>
-              <a:t>49</a:t>
+              <a:t>50</a:t>
             </a:fld>
             <a:endParaRPr lang="ru-RU"/>
           </a:p>
@@ -1732,7 +1733,7 @@
           <a:p>
             <a:fld id="{414C0F9C-8EEB-4FCC-AFE2-CBC89CE9F378}" type="slidenum">
               <a:rPr lang="ru-RU" smtClean="0"/>
-              <a:t>50</a:t>
+              <a:t>51</a:t>
             </a:fld>
             <a:endParaRPr lang="ru-RU"/>
           </a:p>
@@ -1900,7 +1901,7 @@
           <a:p>
             <a:fld id="{414C0F9C-8EEB-4FCC-AFE2-CBC89CE9F378}" type="slidenum">
               <a:rPr lang="ru-RU" smtClean="0"/>
-              <a:t>58</a:t>
+              <a:t>59</a:t>
             </a:fld>
             <a:endParaRPr lang="ru-RU"/>
           </a:p>
@@ -2772,7 +2773,7 @@
           <a:p>
             <a:fld id="{8097313E-B044-4ACF-96A1-82807229EA96}" type="datetimeFigureOut">
               <a:rPr lang="ru-RU" smtClean="0"/>
-              <a:t>20.03.2014</a:t>
+              <a:t>21.03.2014</a:t>
             </a:fld>
             <a:endParaRPr lang="ru-RU"/>
           </a:p>
@@ -2942,7 +2943,7 @@
           <a:p>
             <a:fld id="{8097313E-B044-4ACF-96A1-82807229EA96}" type="datetimeFigureOut">
               <a:rPr lang="ru-RU" smtClean="0"/>
-              <a:t>20.03.2014</a:t>
+              <a:t>21.03.2014</a:t>
             </a:fld>
             <a:endParaRPr lang="ru-RU"/>
           </a:p>
@@ -3122,7 +3123,7 @@
           <a:p>
             <a:fld id="{8097313E-B044-4ACF-96A1-82807229EA96}" type="datetimeFigureOut">
               <a:rPr lang="ru-RU" smtClean="0"/>
-              <a:t>20.03.2014</a:t>
+              <a:t>21.03.2014</a:t>
             </a:fld>
             <a:endParaRPr lang="ru-RU"/>
           </a:p>
@@ -3299,7 +3300,7 @@
           <a:p>
             <a:fld id="{8097313E-B044-4ACF-96A1-82807229EA96}" type="datetimeFigureOut">
               <a:rPr lang="ru-RU" smtClean="0"/>
-              <a:t>20.03.2014</a:t>
+              <a:t>21.03.2014</a:t>
             </a:fld>
             <a:endParaRPr lang="ru-RU"/>
           </a:p>
@@ -3552,7 +3553,7 @@
           <a:p>
             <a:fld id="{8097313E-B044-4ACF-96A1-82807229EA96}" type="datetimeFigureOut">
               <a:rPr lang="ru-RU" smtClean="0"/>
-              <a:t>20.03.2014</a:t>
+              <a:t>21.03.2014</a:t>
             </a:fld>
             <a:endParaRPr lang="ru-RU"/>
           </a:p>
@@ -3840,7 +3841,7 @@
           <a:p>
             <a:fld id="{8097313E-B044-4ACF-96A1-82807229EA96}" type="datetimeFigureOut">
               <a:rPr lang="ru-RU" smtClean="0"/>
-              <a:t>20.03.2014</a:t>
+              <a:t>21.03.2014</a:t>
             </a:fld>
             <a:endParaRPr lang="ru-RU"/>
           </a:p>
@@ -4262,7 +4263,7 @@
           <a:p>
             <a:fld id="{8097313E-B044-4ACF-96A1-82807229EA96}" type="datetimeFigureOut">
               <a:rPr lang="ru-RU" smtClean="0"/>
-              <a:t>20.03.2014</a:t>
+              <a:t>21.03.2014</a:t>
             </a:fld>
             <a:endParaRPr lang="ru-RU"/>
           </a:p>
@@ -4395,7 +4396,7 @@
           <a:p>
             <a:fld id="{8097313E-B044-4ACF-96A1-82807229EA96}" type="datetimeFigureOut">
               <a:rPr lang="ru-RU" smtClean="0"/>
-              <a:t>20.03.2014</a:t>
+              <a:t>21.03.2014</a:t>
             </a:fld>
             <a:endParaRPr lang="ru-RU"/>
           </a:p>
@@ -4497,7 +4498,7 @@
           <a:p>
             <a:fld id="{8097313E-B044-4ACF-96A1-82807229EA96}" type="datetimeFigureOut">
               <a:rPr lang="ru-RU" smtClean="0"/>
-              <a:t>20.03.2014</a:t>
+              <a:t>21.03.2014</a:t>
             </a:fld>
             <a:endParaRPr lang="ru-RU"/>
           </a:p>
@@ -4774,7 +4775,7 @@
           <a:p>
             <a:fld id="{8097313E-B044-4ACF-96A1-82807229EA96}" type="datetimeFigureOut">
               <a:rPr lang="ru-RU" smtClean="0"/>
-              <a:t>20.03.2014</a:t>
+              <a:t>21.03.2014</a:t>
             </a:fld>
             <a:endParaRPr lang="ru-RU"/>
           </a:p>
@@ -5027,7 +5028,7 @@
           <a:p>
             <a:fld id="{8097313E-B044-4ACF-96A1-82807229EA96}" type="datetimeFigureOut">
               <a:rPr lang="ru-RU" smtClean="0"/>
-              <a:t>20.03.2014</a:t>
+              <a:t>21.03.2014</a:t>
             </a:fld>
             <a:endParaRPr lang="ru-RU"/>
           </a:p>
@@ -5240,7 +5241,7 @@
           <a:p>
             <a:fld id="{8097313E-B044-4ACF-96A1-82807229EA96}" type="datetimeFigureOut">
               <a:rPr lang="ru-RU" smtClean="0"/>
-              <a:t>20.03.2014</a:t>
+              <a:t>21.03.2014</a:t>
             </a:fld>
             <a:endParaRPr lang="ru-RU"/>
           </a:p>
@@ -10085,11 +10086,18 @@
               <a:buNone/>
             </a:pPr>
             <a:r>
+              <a:rPr lang="en-US" sz="2800" dirty="0">
+                <a:latin typeface="Consolas" panose="020B0609020204030204" pitchFamily="49" charset="0"/>
+                <a:cs typeface="Consolas" panose="020B0609020204030204" pitchFamily="49" charset="0"/>
+              </a:rPr>
+              <a:t>02-clean-code &amp; </a:t>
+            </a:r>
+            <a:r>
               <a:rPr lang="en-US" sz="2800" dirty="0" smtClean="0">
                 <a:latin typeface="Consolas" panose="020B0609020204030204" pitchFamily="49" charset="0"/>
                 <a:cs typeface="Consolas" panose="020B0609020204030204" pitchFamily="49" charset="0"/>
               </a:rPr>
-              <a:t>02-CleanCode&amp;Testing\task\parse.sln</a:t>
+              <a:t>testing\cleancode.sln</a:t>
             </a:r>
           </a:p>
           <a:p>
@@ -10098,7 +10106,23 @@
             </a:pPr>
             <a:r>
               <a:rPr lang="ru-RU" dirty="0" smtClean="0"/>
-              <a:t>См. задания </a:t>
+              <a:t>См</a:t>
+            </a:r>
+            <a:r>
+              <a:rPr lang="ru-RU" dirty="0" smtClean="0"/>
+              <a:t>. </a:t>
+            </a:r>
+            <a:r>
+              <a:rPr lang="ru-RU" b="1" dirty="0" smtClean="0"/>
+              <a:t>задани</a:t>
+            </a:r>
+            <a:r>
+              <a:rPr lang="ru-RU" b="1" dirty="0" smtClean="0"/>
+              <a:t>е 1</a:t>
+            </a:r>
+            <a:r>
+              <a:rPr lang="ru-RU" dirty="0" smtClean="0"/>
+              <a:t> </a:t>
             </a:r>
             <a:r>
               <a:rPr lang="ru-RU" dirty="0"/>
@@ -16981,6 +17005,93 @@
       </p:grpSpPr>
       <p:sp>
         <p:nvSpPr>
+          <p:cNvPr id="2" name="Заголовок 1"/>
+          <p:cNvSpPr>
+            <a:spLocks noGrp="1"/>
+          </p:cNvSpPr>
+          <p:nvPr>
+            <p:ph type="title"/>
+          </p:nvPr>
+        </p:nvSpPr>
+        <p:spPr>
+          <a:xfrm>
+            <a:off x="722313" y="1772816"/>
+            <a:ext cx="7772400" cy="1362075"/>
+          </a:xfrm>
+        </p:spPr>
+        <p:txBody>
+          <a:bodyPr>
+            <a:noAutofit/>
+          </a:bodyPr>
+          <a:lstStyle/>
+          <a:p>
+            <a:pPr algn="ctr"/>
+            <a:r>
+              <a:rPr lang="en-US" sz="16600" dirty="0" smtClean="0"/>
+              <a:t>shift</a:t>
+            </a:r>
+            <a:endParaRPr lang="ru-RU" sz="16600" dirty="0"/>
+          </a:p>
+        </p:txBody>
+      </p:sp>
+      <p:sp>
+        <p:nvSpPr>
+          <p:cNvPr id="3" name="Текст 2"/>
+          <p:cNvSpPr>
+            <a:spLocks noGrp="1"/>
+          </p:cNvSpPr>
+          <p:nvPr>
+            <p:ph type="body" idx="1"/>
+          </p:nvPr>
+        </p:nvSpPr>
+        <p:spPr/>
+        <p:txBody>
+          <a:bodyPr/>
+          <a:lstStyle/>
+          <a:p>
+            <a:endParaRPr lang="ru-RU"/>
+          </a:p>
+        </p:txBody>
+      </p:sp>
+    </p:spTree>
+    <p:extLst>
+      <p:ext uri="{BB962C8B-B14F-4D97-AF65-F5344CB8AC3E}">
+        <p14:creationId xmlns:p14="http://schemas.microsoft.com/office/powerpoint/2010/main" val="1651937469"/>
+      </p:ext>
+    </p:extLst>
+  </p:cSld>
+  <p:clrMapOvr>
+    <a:masterClrMapping/>
+  </p:clrMapOvr>
+  <p:timing>
+    <p:tnLst>
+      <p:par>
+        <p:cTn id="1" dur="indefinite" restart="never" nodeType="tmRoot"/>
+      </p:par>
+    </p:tnLst>
+  </p:timing>
+</p:sld>
+</file>
+
+<file path=ppt/slides/slide39.xml><?xml version="1.0" encoding="utf-8"?>
+<p:sld xmlns:a="http://schemas.openxmlformats.org/drawingml/2006/main" xmlns:r="http://schemas.openxmlformats.org/officeDocument/2006/relationships" xmlns:p="http://schemas.openxmlformats.org/presentationml/2006/main">
+  <p:cSld>
+    <p:spTree>
+      <p:nvGrpSpPr>
+        <p:cNvPr id="1" name=""/>
+        <p:cNvGrpSpPr/>
+        <p:nvPr/>
+      </p:nvGrpSpPr>
+      <p:grpSpPr>
+        <a:xfrm>
+          <a:off x="0" y="0"/>
+          <a:ext cx="0" cy="0"/>
+          <a:chOff x="0" y="0"/>
+          <a:chExt cx="0" cy="0"/>
+        </a:xfrm>
+      </p:grpSpPr>
+      <p:sp>
+        <p:nvSpPr>
           <p:cNvPr id="4" name="Заголовок 3"/>
           <p:cNvSpPr>
             <a:spLocks noGrp="1"/>
@@ -17047,7 +17158,85 @@
 </p:sld>
 </file>
 
-<file path=ppt/slides/slide39.xml><?xml version="1.0" encoding="utf-8"?>
+<file path=ppt/slides/slide4.xml><?xml version="1.0" encoding="utf-8"?>
+<p:sld xmlns:a="http://schemas.openxmlformats.org/drawingml/2006/main" xmlns:r="http://schemas.openxmlformats.org/officeDocument/2006/relationships" xmlns:p="http://schemas.openxmlformats.org/presentationml/2006/main">
+  <p:cSld>
+    <p:spTree>
+      <p:nvGrpSpPr>
+        <p:cNvPr id="1" name=""/>
+        <p:cNvGrpSpPr/>
+        <p:nvPr/>
+      </p:nvGrpSpPr>
+      <p:grpSpPr>
+        <a:xfrm>
+          <a:off x="0" y="0"/>
+          <a:ext cx="0" cy="0"/>
+          <a:chOff x="0" y="0"/>
+          <a:chExt cx="0" cy="0"/>
+        </a:xfrm>
+      </p:grpSpPr>
+      <p:pic>
+        <p:nvPicPr>
+          <p:cNvPr id="2050" name="Picture 2" descr="C:\Users\xoposhiy\Pictures\wtf_per_minute.png"/>
+          <p:cNvPicPr>
+            <a:picLocks noChangeAspect="1" noChangeArrowheads="1"/>
+          </p:cNvPicPr>
+          <p:nvPr/>
+        </p:nvPicPr>
+        <p:blipFill>
+          <a:blip r:embed="rId2">
+            <a:extLst>
+              <a:ext uri="{28A0092B-C50C-407E-A947-70E740481C1C}">
+                <a14:useLocalDpi xmlns:a14="http://schemas.microsoft.com/office/drawing/2010/main" val="0"/>
+              </a:ext>
+            </a:extLst>
+          </a:blip>
+          <a:srcRect/>
+          <a:stretch>
+            <a:fillRect/>
+          </a:stretch>
+        </p:blipFill>
+        <p:spPr bwMode="auto">
+          <a:xfrm>
+            <a:off x="1187624" y="692696"/>
+            <a:ext cx="6998041" cy="5509366"/>
+          </a:xfrm>
+          <a:prstGeom prst="rect">
+            <a:avLst/>
+          </a:prstGeom>
+          <a:noFill/>
+          <a:extLst>
+            <a:ext uri="{909E8E84-426E-40DD-AFC4-6F175D3DCCD1}">
+              <a14:hiddenFill xmlns:a14="http://schemas.microsoft.com/office/drawing/2010/main">
+                <a:solidFill>
+                  <a:srgbClr val="FFFFFF"/>
+                </a:solidFill>
+              </a14:hiddenFill>
+            </a:ext>
+          </a:extLst>
+        </p:spPr>
+      </p:pic>
+    </p:spTree>
+    <p:extLst>
+      <p:ext uri="{BB962C8B-B14F-4D97-AF65-F5344CB8AC3E}">
+        <p14:creationId xmlns:p14="http://schemas.microsoft.com/office/powerpoint/2010/main" val="1812013237"/>
+      </p:ext>
+    </p:extLst>
+  </p:cSld>
+  <p:clrMapOvr>
+    <a:masterClrMapping/>
+  </p:clrMapOvr>
+  <p:timing>
+    <p:tnLst>
+      <p:par>
+        <p:cTn id="1" dur="indefinite" restart="never" nodeType="tmRoot"/>
+      </p:par>
+    </p:tnLst>
+  </p:timing>
+</p:sld>
+</file>
+
+<file path=ppt/slides/slide40.xml><?xml version="1.0" encoding="utf-8"?>
 <p:sld xmlns:a="http://schemas.openxmlformats.org/drawingml/2006/main" xmlns:r="http://schemas.openxmlformats.org/officeDocument/2006/relationships" xmlns:p="http://schemas.openxmlformats.org/presentationml/2006/main">
   <p:cSld>
     <p:spTree>
@@ -17499,85 +17688,7 @@
 </p:sld>
 </file>
 
-<file path=ppt/slides/slide4.xml><?xml version="1.0" encoding="utf-8"?>
-<p:sld xmlns:a="http://schemas.openxmlformats.org/drawingml/2006/main" xmlns:r="http://schemas.openxmlformats.org/officeDocument/2006/relationships" xmlns:p="http://schemas.openxmlformats.org/presentationml/2006/main">
-  <p:cSld>
-    <p:spTree>
-      <p:nvGrpSpPr>
-        <p:cNvPr id="1" name=""/>
-        <p:cNvGrpSpPr/>
-        <p:nvPr/>
-      </p:nvGrpSpPr>
-      <p:grpSpPr>
-        <a:xfrm>
-          <a:off x="0" y="0"/>
-          <a:ext cx="0" cy="0"/>
-          <a:chOff x="0" y="0"/>
-          <a:chExt cx="0" cy="0"/>
-        </a:xfrm>
-      </p:grpSpPr>
-      <p:pic>
-        <p:nvPicPr>
-          <p:cNvPr id="2050" name="Picture 2" descr="C:\Users\xoposhiy\Pictures\wtf_per_minute.png"/>
-          <p:cNvPicPr>
-            <a:picLocks noChangeAspect="1" noChangeArrowheads="1"/>
-          </p:cNvPicPr>
-          <p:nvPr/>
-        </p:nvPicPr>
-        <p:blipFill>
-          <a:blip r:embed="rId2">
-            <a:extLst>
-              <a:ext uri="{28A0092B-C50C-407E-A947-70E740481C1C}">
-                <a14:useLocalDpi xmlns:a14="http://schemas.microsoft.com/office/drawing/2010/main" val="0"/>
-              </a:ext>
-            </a:extLst>
-          </a:blip>
-          <a:srcRect/>
-          <a:stretch>
-            <a:fillRect/>
-          </a:stretch>
-        </p:blipFill>
-        <p:spPr bwMode="auto">
-          <a:xfrm>
-            <a:off x="1187624" y="692696"/>
-            <a:ext cx="6998041" cy="5509366"/>
-          </a:xfrm>
-          <a:prstGeom prst="rect">
-            <a:avLst/>
-          </a:prstGeom>
-          <a:noFill/>
-          <a:extLst>
-            <a:ext uri="{909E8E84-426E-40DD-AFC4-6F175D3DCCD1}">
-              <a14:hiddenFill xmlns:a14="http://schemas.microsoft.com/office/drawing/2010/main">
-                <a:solidFill>
-                  <a:srgbClr val="FFFFFF"/>
-                </a:solidFill>
-              </a14:hiddenFill>
-            </a:ext>
-          </a:extLst>
-        </p:spPr>
-      </p:pic>
-    </p:spTree>
-    <p:extLst>
-      <p:ext uri="{BB962C8B-B14F-4D97-AF65-F5344CB8AC3E}">
-        <p14:creationId xmlns:p14="http://schemas.microsoft.com/office/powerpoint/2010/main" val="1812013237"/>
-      </p:ext>
-    </p:extLst>
-  </p:cSld>
-  <p:clrMapOvr>
-    <a:masterClrMapping/>
-  </p:clrMapOvr>
-  <p:timing>
-    <p:tnLst>
-      <p:par>
-        <p:cTn id="1" dur="indefinite" restart="never" nodeType="tmRoot"/>
-      </p:par>
-    </p:tnLst>
-  </p:timing>
-</p:sld>
-</file>
-
-<file path=ppt/slides/slide40.xml><?xml version="1.0" encoding="utf-8"?>
+<file path=ppt/slides/slide41.xml><?xml version="1.0" encoding="utf-8"?>
 <p:sld xmlns:a="http://schemas.openxmlformats.org/drawingml/2006/main" xmlns:r="http://schemas.openxmlformats.org/officeDocument/2006/relationships" xmlns:p="http://schemas.openxmlformats.org/presentationml/2006/main">
   <p:cSld>
     <p:spTree>
@@ -18049,7 +18160,7 @@
 </p:sld>
 </file>
 
-<file path=ppt/slides/slide41.xml><?xml version="1.0" encoding="utf-8"?>
+<file path=ppt/slides/slide42.xml><?xml version="1.0" encoding="utf-8"?>
 <p:sld xmlns:a="http://schemas.openxmlformats.org/drawingml/2006/main" xmlns:r="http://schemas.openxmlformats.org/officeDocument/2006/relationships" xmlns:p="http://schemas.openxmlformats.org/presentationml/2006/main">
   <p:cSld>
     <p:spTree>
@@ -18485,66 +18596,6 @@
 </p:sld>
 </file>
 
-<file path=ppt/slides/slide42.xml><?xml version="1.0" encoding="utf-8"?>
-<p:sld xmlns:a="http://schemas.openxmlformats.org/drawingml/2006/main" xmlns:r="http://schemas.openxmlformats.org/officeDocument/2006/relationships" xmlns:p="http://schemas.openxmlformats.org/presentationml/2006/main">
-  <p:cSld>
-    <p:spTree>
-      <p:nvGrpSpPr>
-        <p:cNvPr id="1" name=""/>
-        <p:cNvGrpSpPr/>
-        <p:nvPr/>
-      </p:nvGrpSpPr>
-      <p:grpSpPr>
-        <a:xfrm>
-          <a:off x="0" y="0"/>
-          <a:ext cx="0" cy="0"/>
-          <a:chOff x="0" y="0"/>
-          <a:chExt cx="0" cy="0"/>
-        </a:xfrm>
-      </p:grpSpPr>
-      <p:sp>
-        <p:nvSpPr>
-          <p:cNvPr id="2" name="Заголовок 1"/>
-          <p:cNvSpPr>
-            <a:spLocks noGrp="1"/>
-          </p:cNvSpPr>
-          <p:nvPr>
-            <p:ph type="title"/>
-          </p:nvPr>
-        </p:nvSpPr>
-        <p:spPr/>
-        <p:txBody>
-          <a:bodyPr/>
-          <a:lstStyle/>
-          <a:p>
-            <a:r>
-              <a:rPr lang="en-US" dirty="0" smtClean="0"/>
-              <a:t>LINQ</a:t>
-            </a:r>
-            <a:endParaRPr lang="ru-RU" dirty="0"/>
-          </a:p>
-        </p:txBody>
-      </p:sp>
-    </p:spTree>
-    <p:extLst>
-      <p:ext uri="{BB962C8B-B14F-4D97-AF65-F5344CB8AC3E}">
-        <p14:creationId xmlns:p14="http://schemas.microsoft.com/office/powerpoint/2010/main" val="1743141013"/>
-      </p:ext>
-    </p:extLst>
-  </p:cSld>
-  <p:clrMapOvr>
-    <a:masterClrMapping/>
-  </p:clrMapOvr>
-  <p:timing>
-    <p:tnLst>
-      <p:par>
-        <p:cTn id="1" dur="indefinite" restart="never" nodeType="tmRoot"/>
-      </p:par>
-    </p:tnLst>
-  </p:timing>
-</p:sld>
-</file>
-
 <file path=ppt/slides/slide43.xml><?xml version="1.0" encoding="utf-8"?>
 <p:sld xmlns:a="http://schemas.openxmlformats.org/drawingml/2006/main" xmlns:r="http://schemas.openxmlformats.org/officeDocument/2006/relationships" xmlns:p="http://schemas.openxmlformats.org/presentationml/2006/main">
   <p:cSld>
@@ -18585,6 +18636,66 @@
           </a:p>
         </p:txBody>
       </p:sp>
+    </p:spTree>
+    <p:extLst>
+      <p:ext uri="{BB962C8B-B14F-4D97-AF65-F5344CB8AC3E}">
+        <p14:creationId xmlns:p14="http://schemas.microsoft.com/office/powerpoint/2010/main" val="1743141013"/>
+      </p:ext>
+    </p:extLst>
+  </p:cSld>
+  <p:clrMapOvr>
+    <a:masterClrMapping/>
+  </p:clrMapOvr>
+  <p:timing>
+    <p:tnLst>
+      <p:par>
+        <p:cTn id="1" dur="indefinite" restart="never" nodeType="tmRoot"/>
+      </p:par>
+    </p:tnLst>
+  </p:timing>
+</p:sld>
+</file>
+
+<file path=ppt/slides/slide44.xml><?xml version="1.0" encoding="utf-8"?>
+<p:sld xmlns:a="http://schemas.openxmlformats.org/drawingml/2006/main" xmlns:r="http://schemas.openxmlformats.org/officeDocument/2006/relationships" xmlns:p="http://schemas.openxmlformats.org/presentationml/2006/main">
+  <p:cSld>
+    <p:spTree>
+      <p:nvGrpSpPr>
+        <p:cNvPr id="1" name=""/>
+        <p:cNvGrpSpPr/>
+        <p:nvPr/>
+      </p:nvGrpSpPr>
+      <p:grpSpPr>
+        <a:xfrm>
+          <a:off x="0" y="0"/>
+          <a:ext cx="0" cy="0"/>
+          <a:chOff x="0" y="0"/>
+          <a:chExt cx="0" cy="0"/>
+        </a:xfrm>
+      </p:grpSpPr>
+      <p:sp>
+        <p:nvSpPr>
+          <p:cNvPr id="2" name="Заголовок 1"/>
+          <p:cNvSpPr>
+            <a:spLocks noGrp="1"/>
+          </p:cNvSpPr>
+          <p:nvPr>
+            <p:ph type="title"/>
+          </p:nvPr>
+        </p:nvSpPr>
+        <p:spPr/>
+        <p:txBody>
+          <a:bodyPr/>
+          <a:lstStyle/>
+          <a:p>
+            <a:r>
+              <a:rPr lang="en-US" dirty="0" smtClean="0"/>
+              <a:t>LINQ</a:t>
+            </a:r>
+            <a:endParaRPr lang="ru-RU" dirty="0"/>
+          </a:p>
+        </p:txBody>
+      </p:sp>
       <p:sp>
         <p:nvSpPr>
           <p:cNvPr id="3" name="Объект 2"/>
@@ -18735,7 +18846,7 @@
 </p:sld>
 </file>
 
-<file path=ppt/slides/slide44.xml><?xml version="1.0" encoding="utf-8"?>
+<file path=ppt/slides/slide45.xml><?xml version="1.0" encoding="utf-8"?>
 <p:sld xmlns:a="http://schemas.openxmlformats.org/drawingml/2006/main" xmlns:r="http://schemas.openxmlformats.org/officeDocument/2006/relationships" xmlns:p="http://schemas.openxmlformats.org/presentationml/2006/main">
   <p:cSld>
     <p:spTree>
@@ -19429,307 +19540,6 @@
 </p:sld>
 </file>
 
-<file path=ppt/slides/slide45.xml><?xml version="1.0" encoding="utf-8"?>
-<p:sld xmlns:a="http://schemas.openxmlformats.org/drawingml/2006/main" xmlns:r="http://schemas.openxmlformats.org/officeDocument/2006/relationships" xmlns:p="http://schemas.openxmlformats.org/presentationml/2006/main">
-  <p:cSld>
-    <p:spTree>
-      <p:nvGrpSpPr>
-        <p:cNvPr id="1" name=""/>
-        <p:cNvGrpSpPr/>
-        <p:nvPr/>
-      </p:nvGrpSpPr>
-      <p:grpSpPr>
-        <a:xfrm>
-          <a:off x="0" y="0"/>
-          <a:ext cx="0" cy="0"/>
-          <a:chOff x="0" y="0"/>
-          <a:chExt cx="0" cy="0"/>
-        </a:xfrm>
-      </p:grpSpPr>
-      <p:sp>
-        <p:nvSpPr>
-          <p:cNvPr id="2" name="Заголовок 1"/>
-          <p:cNvSpPr>
-            <a:spLocks noGrp="1"/>
-          </p:cNvSpPr>
-          <p:nvPr>
-            <p:ph type="title"/>
-          </p:nvPr>
-        </p:nvSpPr>
-        <p:spPr/>
-        <p:txBody>
-          <a:bodyPr/>
-          <a:lstStyle/>
-          <a:p>
-            <a:r>
-              <a:rPr lang="en-US" dirty="0" smtClean="0"/>
-              <a:t>LINQ. </a:t>
-            </a:r>
-            <a:r>
-              <a:rPr lang="ru-RU" dirty="0" smtClean="0"/>
-              <a:t>Ленивость</a:t>
-            </a:r>
-            <a:endParaRPr lang="ru-RU" dirty="0"/>
-          </a:p>
-        </p:txBody>
-      </p:sp>
-      <p:sp>
-        <p:nvSpPr>
-          <p:cNvPr id="3" name="Объект 2"/>
-          <p:cNvSpPr>
-            <a:spLocks noGrp="1"/>
-          </p:cNvSpPr>
-          <p:nvPr>
-            <p:ph idx="1"/>
-          </p:nvPr>
-        </p:nvSpPr>
-        <p:spPr>
-          <a:xfrm>
-            <a:off x="457200" y="1600200"/>
-            <a:ext cx="8435280" cy="4525963"/>
-          </a:xfrm>
-        </p:spPr>
-        <p:txBody>
-          <a:bodyPr>
-            <a:normAutofit fontScale="92500"/>
-          </a:bodyPr>
-          <a:lstStyle/>
-          <a:p>
-            <a:pPr marL="0" indent="0">
-              <a:buNone/>
-            </a:pPr>
-            <a:r>
-              <a:rPr lang="en-US" sz="2800" dirty="0" smtClean="0">
-                <a:solidFill>
-                  <a:srgbClr val="000000"/>
-                </a:solidFill>
-                <a:highlight>
-                  <a:srgbClr val="FFFFFF"/>
-                </a:highlight>
-                <a:latin typeface="Consolas"/>
-              </a:rPr>
-              <a:t>a = </a:t>
-            </a:r>
-            <a:r>
-              <a:rPr lang="en-US" sz="2800" dirty="0" err="1" smtClean="0">
-                <a:solidFill>
-                  <a:srgbClr val="000000"/>
-                </a:solidFill>
-                <a:highlight>
-                  <a:srgbClr val="FFFFFF"/>
-                </a:highlight>
-                <a:latin typeface="Consolas"/>
-              </a:rPr>
-              <a:t>list.Where</a:t>
-            </a:r>
-            <a:r>
-              <a:rPr lang="en-US" sz="2800" dirty="0" smtClean="0">
-                <a:solidFill>
-                  <a:srgbClr val="000000"/>
-                </a:solidFill>
-                <a:highlight>
-                  <a:srgbClr val="FFFFFF"/>
-                </a:highlight>
-                <a:latin typeface="Consolas"/>
-              </a:rPr>
-              <a:t>(x </a:t>
-            </a:r>
-            <a:r>
-              <a:rPr lang="en-US" sz="2800" dirty="0">
-                <a:solidFill>
-                  <a:srgbClr val="000000"/>
-                </a:solidFill>
-                <a:highlight>
-                  <a:srgbClr val="FFFFFF"/>
-                </a:highlight>
-                <a:latin typeface="Consolas"/>
-              </a:rPr>
-              <a:t>=&gt; x%2 == 0</a:t>
-            </a:r>
-            <a:r>
-              <a:rPr lang="en-US" sz="2800" dirty="0" smtClean="0">
-                <a:solidFill>
-                  <a:srgbClr val="000000"/>
-                </a:solidFill>
-                <a:highlight>
-                  <a:srgbClr val="FFFFFF"/>
-                </a:highlight>
-                <a:latin typeface="Consolas"/>
-              </a:rPr>
-              <a:t>)</a:t>
-            </a:r>
-            <a:r>
-              <a:rPr lang="en-US" sz="2800" dirty="0"/>
-              <a:t/>
-            </a:r>
-            <a:br>
-              <a:rPr lang="en-US" sz="2800" dirty="0"/>
-            </a:br>
-            <a:r>
-              <a:rPr lang="en-US" sz="2800" dirty="0">
-                <a:solidFill>
-                  <a:srgbClr val="000000"/>
-                </a:solidFill>
-                <a:highlight>
-                  <a:srgbClr val="FFFFFF"/>
-                </a:highlight>
-                <a:latin typeface="Consolas"/>
-              </a:rPr>
-              <a:t>    .Select(x =&gt; x*x)</a:t>
-            </a:r>
-            <a:r>
-              <a:rPr lang="en-US" sz="2800" dirty="0"/>
-              <a:t> </a:t>
-            </a:r>
-            <a:r>
-              <a:rPr lang="en-US" sz="2800" dirty="0" smtClean="0"/>
-              <a:t>; </a:t>
-            </a:r>
-            <a:endParaRPr lang="ru-RU" sz="2800" dirty="0" smtClean="0"/>
-          </a:p>
-          <a:p>
-            <a:pPr marL="0" indent="0">
-              <a:buNone/>
-            </a:pPr>
-            <a:r>
-              <a:rPr lang="ru-RU" sz="2800" dirty="0" smtClean="0"/>
-              <a:t>отработает моментально, не глядя на </a:t>
-            </a:r>
-            <a:r>
-              <a:rPr lang="en-US" sz="2800" dirty="0" smtClean="0"/>
-              <a:t>list</a:t>
-            </a:r>
-          </a:p>
-          <a:p>
-            <a:pPr marL="0" indent="0">
-              <a:buNone/>
-            </a:pPr>
-            <a:r>
-              <a:rPr lang="ru-RU" sz="2800" dirty="0" smtClean="0"/>
-              <a:t>вернет обертку, реализацию </a:t>
-            </a:r>
-            <a:r>
-              <a:rPr lang="en-US" sz="2800" dirty="0" err="1" smtClean="0"/>
-              <a:t>I</a:t>
-            </a:r>
-            <a:r>
-              <a:rPr lang="en-US" sz="2800" dirty="0" err="1"/>
-              <a:t>E</a:t>
-            </a:r>
-            <a:r>
-              <a:rPr lang="en-US" sz="2800" dirty="0" err="1" smtClean="0"/>
-              <a:t>numerable</a:t>
-            </a:r>
-            <a:r>
-              <a:rPr lang="en-US" sz="2800" dirty="0" smtClean="0"/>
-              <a:t>&lt;</a:t>
-            </a:r>
-            <a:r>
-              <a:rPr lang="en-US" sz="2800" dirty="0" err="1" smtClean="0"/>
-              <a:t>int</a:t>
-            </a:r>
-            <a:r>
-              <a:rPr lang="en-US" sz="2800" dirty="0" smtClean="0"/>
-              <a:t>&gt;</a:t>
-            </a:r>
-            <a:r>
-              <a:rPr lang="ru-RU" sz="2800" dirty="0" smtClean="0"/>
-              <a:t>, которая</a:t>
-            </a:r>
-            <a:endParaRPr lang="en-US" sz="2800" dirty="0" smtClean="0"/>
-          </a:p>
-          <a:p>
-            <a:pPr marL="0" indent="0">
-              <a:buNone/>
-            </a:pPr>
-            <a:r>
-              <a:rPr lang="ru-RU" sz="2800" dirty="0" smtClean="0"/>
-              <a:t>начнет перечислять </a:t>
-            </a:r>
-            <a:r>
-              <a:rPr lang="en-US" sz="2800" dirty="0" smtClean="0"/>
-              <a:t>list</a:t>
-            </a:r>
-            <a:r>
-              <a:rPr lang="ru-RU" sz="2800" dirty="0" smtClean="0"/>
-              <a:t> лишь когда начнут перечислять её</a:t>
-            </a:r>
-          </a:p>
-          <a:p>
-            <a:pPr marL="0" indent="0">
-              <a:buNone/>
-            </a:pPr>
-            <a:endParaRPr lang="en-US" sz="2800" dirty="0" smtClean="0"/>
-          </a:p>
-          <a:p>
-            <a:pPr marL="0" indent="0">
-              <a:buNone/>
-            </a:pPr>
-            <a:endParaRPr lang="en-US" sz="2800" dirty="0" smtClean="0"/>
-          </a:p>
-          <a:p>
-            <a:pPr marL="0" indent="0">
-              <a:buNone/>
-            </a:pPr>
-            <a:r>
-              <a:rPr lang="ru-RU" sz="2800" dirty="0"/>
-              <a:t>основная работа будет тут:</a:t>
-            </a:r>
-          </a:p>
-          <a:p>
-            <a:pPr marL="0" indent="0">
-              <a:buNone/>
-            </a:pPr>
-            <a:r>
-              <a:rPr lang="en-US" sz="2800" dirty="0" err="1" smtClean="0"/>
-              <a:t>int</a:t>
-            </a:r>
-            <a:r>
-              <a:rPr lang="en-US" sz="2800" dirty="0" smtClean="0"/>
-              <a:t>[] res = </a:t>
-            </a:r>
-            <a:r>
-              <a:rPr lang="en-US" sz="2800" dirty="0" err="1" smtClean="0"/>
-              <a:t>a.ToArray</a:t>
-            </a:r>
-            <a:r>
-              <a:rPr lang="en-US" sz="2800" dirty="0" smtClean="0"/>
-              <a:t>()</a:t>
-            </a:r>
-            <a:r>
-              <a:rPr lang="en-US" sz="2800" dirty="0"/>
-              <a:t>;</a:t>
-            </a:r>
-            <a:endParaRPr lang="en-US" sz="2800" dirty="0" smtClean="0"/>
-          </a:p>
-          <a:p>
-            <a:pPr marL="0" indent="0">
-              <a:buNone/>
-            </a:pPr>
-            <a:endParaRPr lang="en-US" sz="2800" dirty="0"/>
-          </a:p>
-        </p:txBody>
-      </p:sp>
-    </p:spTree>
-    <p:extLst>
-      <p:ext uri="{BB962C8B-B14F-4D97-AF65-F5344CB8AC3E}">
-        <p14:creationId xmlns:p14="http://schemas.microsoft.com/office/powerpoint/2010/main" val="539562667"/>
-      </p:ext>
-    </p:extLst>
-  </p:cSld>
-  <p:clrMapOvr>
-    <a:masterClrMapping/>
-  </p:clrMapOvr>
-  <p:timing>
-    <p:tnLst>
-      <p:par>
-        <p:cTn id="1" dur="indefinite" restart="never" nodeType="tmRoot"/>
-      </p:par>
-    </p:tnLst>
-  </p:timing>
-</p:sld>
-</file>
-
 <file path=ppt/slides/slide46.xml><?xml version="1.0" encoding="utf-8"?>
 <p:sld xmlns:a="http://schemas.openxmlformats.org/drawingml/2006/main" xmlns:r="http://schemas.openxmlformats.org/officeDocument/2006/relationships" xmlns:p="http://schemas.openxmlformats.org/presentationml/2006/main">
   <p:cSld>
@@ -19792,7 +19602,7 @@
         </p:spPr>
         <p:txBody>
           <a:bodyPr>
-            <a:normAutofit/>
+            <a:normAutofit fontScale="92500"/>
           </a:bodyPr>
           <a:lstStyle/>
           <a:p>
@@ -19800,19 +19610,7 @@
               <a:buNone/>
             </a:pPr>
             <a:r>
-              <a:rPr lang="en-US" sz="2400" dirty="0" err="1" smtClean="0">
-                <a:solidFill>
-                  <a:srgbClr val="00008B"/>
-                </a:solidFill>
-                <a:highlight>
-                  <a:srgbClr val="FFFFFF"/>
-                </a:highlight>
-                <a:latin typeface="Consolas"/>
-              </a:rPr>
-              <a:t>File</a:t>
-            </a:r>
-            <a:r>
-              <a:rPr lang="en-US" sz="2400" dirty="0" err="1" smtClean="0">
+              <a:rPr lang="en-US" sz="2800" dirty="0" smtClean="0">
                 <a:solidFill>
                   <a:srgbClr val="000000"/>
                 </a:solidFill>
@@ -19821,22 +19619,10 @@
                 </a:highlight>
                 <a:latin typeface="Consolas"/>
               </a:rPr>
-              <a:t>.</a:t>
-            </a:r>
-            <a:r>
-              <a:rPr lang="en-US" sz="2400" dirty="0" err="1" smtClean="0">
-                <a:solidFill>
-                  <a:srgbClr val="008B8B"/>
-                </a:solidFill>
-                <a:highlight>
-                  <a:srgbClr val="FFFFFF"/>
-                </a:highlight>
-                <a:latin typeface="Consolas"/>
-              </a:rPr>
-              <a:t>ReadAllLines</a:t>
-            </a:r>
-            <a:r>
-              <a:rPr lang="en-US" sz="2400" dirty="0">
+              <a:t>a = </a:t>
+            </a:r>
+            <a:r>
+              <a:rPr lang="en-US" sz="2800" dirty="0" err="1" smtClean="0">
                 <a:solidFill>
                   <a:srgbClr val="000000"/>
                 </a:solidFill>
@@ -19845,34 +19631,10 @@
                 </a:highlight>
                 <a:latin typeface="Consolas"/>
               </a:rPr>
-              <a:t>(</a:t>
-            </a:r>
-            <a:r>
-              <a:rPr lang="en-US" sz="2400" dirty="0">
-                <a:solidFill>
-                  <a:srgbClr val="A31515"/>
-                </a:solidFill>
-                <a:highlight>
-                  <a:srgbClr val="FFFFFF"/>
-                </a:highlight>
-                <a:latin typeface="Consolas"/>
-              </a:rPr>
-              <a:t>"input.txt</a:t>
-            </a:r>
-            <a:r>
-              <a:rPr lang="en-US" sz="2400" dirty="0" smtClean="0">
-                <a:solidFill>
-                  <a:srgbClr val="A31515"/>
-                </a:solidFill>
-                <a:highlight>
-                  <a:srgbClr val="FFFFFF"/>
-                </a:highlight>
-                <a:latin typeface="Consolas"/>
-              </a:rPr>
-              <a:t>"</a:t>
-            </a:r>
-            <a:r>
-              <a:rPr lang="en-US" sz="2400" dirty="0" smtClean="0">
+              <a:t>list.Where</a:t>
+            </a:r>
+            <a:r>
+              <a:rPr lang="en-US" sz="2800" dirty="0" smtClean="0">
                 <a:solidFill>
                   <a:srgbClr val="000000"/>
                 </a:solidFill>
@@ -19881,181 +19643,188 @@
                 </a:highlight>
                 <a:latin typeface="Consolas"/>
               </a:rPr>
-              <a:t>) → string[]</a:t>
-            </a:r>
+              <a:t>(x </a:t>
+            </a:r>
+            <a:r>
+              <a:rPr lang="en-US" sz="2800" dirty="0">
+                <a:solidFill>
+                  <a:srgbClr val="000000"/>
+                </a:solidFill>
+                <a:highlight>
+                  <a:srgbClr val="FFFFFF"/>
+                </a:highlight>
+                <a:latin typeface="Consolas"/>
+              </a:rPr>
+              <a:t>=&gt; x%2 == 0</a:t>
+            </a:r>
+            <a:r>
+              <a:rPr lang="en-US" sz="2800" dirty="0" smtClean="0">
+                <a:solidFill>
+                  <a:srgbClr val="000000"/>
+                </a:solidFill>
+                <a:highlight>
+                  <a:srgbClr val="FFFFFF"/>
+                </a:highlight>
+                <a:latin typeface="Consolas"/>
+              </a:rPr>
+              <a:t>)</a:t>
+            </a:r>
+            <a:r>
+              <a:rPr lang="en-US" sz="2800" dirty="0"/>
+              <a:t/>
+            </a:r>
+            <a:br>
+              <a:rPr lang="en-US" sz="2800" dirty="0"/>
+            </a:br>
+            <a:r>
+              <a:rPr lang="en-US" sz="2800" dirty="0">
+                <a:solidFill>
+                  <a:srgbClr val="000000"/>
+                </a:solidFill>
+                <a:highlight>
+                  <a:srgbClr val="FFFFFF"/>
+                </a:highlight>
+                <a:latin typeface="Consolas"/>
+              </a:rPr>
+              <a:t>    .Select(x =&gt; x*x)</a:t>
+            </a:r>
+            <a:r>
+              <a:rPr lang="en-US" sz="2800" dirty="0"/>
+              <a:t> </a:t>
+            </a:r>
+            <a:r>
+              <a:rPr lang="en-US" sz="2800" dirty="0" smtClean="0"/>
+              <a:t>; </a:t>
+            </a:r>
+            <a:endParaRPr lang="ru-RU" sz="2800" dirty="0" smtClean="0"/>
           </a:p>
           <a:p>
             <a:pPr marL="0" indent="0">
               <a:buNone/>
             </a:pPr>
-            <a:endParaRPr lang="ru-RU" sz="2400" dirty="0" smtClean="0">
-              <a:solidFill>
-                <a:srgbClr val="000000"/>
-              </a:solidFill>
-              <a:highlight>
-                <a:srgbClr val="FFFFFF"/>
-              </a:highlight>
-              <a:latin typeface="Consolas"/>
-            </a:endParaRPr>
+            <a:r>
+              <a:rPr lang="ru-RU" sz="2800" dirty="0" smtClean="0"/>
+              <a:t>отработает моментально, не глядя на </a:t>
+            </a:r>
+            <a:r>
+              <a:rPr lang="en-US" sz="2800" dirty="0" smtClean="0"/>
+              <a:t>list</a:t>
+            </a:r>
           </a:p>
           <a:p>
             <a:pPr marL="0" indent="0">
               <a:buNone/>
             </a:pPr>
             <a:r>
-              <a:rPr lang="ru-RU" dirty="0"/>
-              <a:t>Ленивая версия:</a:t>
-            </a:r>
-            <a:endParaRPr lang="en-US" dirty="0"/>
+              <a:rPr lang="ru-RU" sz="2800" dirty="0" smtClean="0"/>
+              <a:t>вернет обертку, реализацию </a:t>
+            </a:r>
+            <a:r>
+              <a:rPr lang="en-US" sz="2800" dirty="0" err="1" smtClean="0"/>
+              <a:t>I</a:t>
+            </a:r>
+            <a:r>
+              <a:rPr lang="en-US" sz="2800" dirty="0" err="1"/>
+              <a:t>E</a:t>
+            </a:r>
+            <a:r>
+              <a:rPr lang="en-US" sz="2800" dirty="0" err="1" smtClean="0"/>
+              <a:t>numerable</a:t>
+            </a:r>
+            <a:r>
+              <a:rPr lang="en-US" sz="2800" dirty="0" smtClean="0"/>
+              <a:t>&lt;</a:t>
+            </a:r>
+            <a:r>
+              <a:rPr lang="en-US" sz="2800" dirty="0" err="1" smtClean="0"/>
+              <a:t>int</a:t>
+            </a:r>
+            <a:r>
+              <a:rPr lang="en-US" sz="2800" dirty="0" smtClean="0"/>
+              <a:t>&gt;</a:t>
+            </a:r>
+            <a:r>
+              <a:rPr lang="ru-RU" sz="2800" dirty="0" smtClean="0"/>
+              <a:t>, которая</a:t>
+            </a:r>
+            <a:endParaRPr lang="en-US" sz="2800" dirty="0" smtClean="0"/>
           </a:p>
           <a:p>
             <a:pPr marL="0" indent="0">
               <a:buNone/>
             </a:pPr>
             <a:r>
-              <a:rPr lang="en-US" sz="2400" dirty="0" err="1" smtClean="0">
-                <a:solidFill>
-                  <a:srgbClr val="00008B"/>
-                </a:solidFill>
-                <a:highlight>
-                  <a:srgbClr val="FFFFFF"/>
-                </a:highlight>
-                <a:latin typeface="Consolas"/>
-              </a:rPr>
-              <a:t>File</a:t>
-            </a:r>
-            <a:r>
-              <a:rPr lang="en-US" sz="2400" dirty="0" err="1" smtClean="0">
-                <a:solidFill>
-                  <a:srgbClr val="000000"/>
-                </a:solidFill>
-                <a:highlight>
-                  <a:srgbClr val="FFFFFF"/>
-                </a:highlight>
-                <a:latin typeface="Consolas"/>
-              </a:rPr>
-              <a:t>.</a:t>
-            </a:r>
-            <a:r>
-              <a:rPr lang="en-US" sz="2400" dirty="0" err="1" smtClean="0">
-                <a:solidFill>
-                  <a:srgbClr val="008B8B"/>
-                </a:solidFill>
-                <a:highlight>
-                  <a:srgbClr val="FFFFFF"/>
-                </a:highlight>
-                <a:latin typeface="Consolas"/>
-              </a:rPr>
-              <a:t>ReadLines</a:t>
-            </a:r>
-            <a:r>
-              <a:rPr lang="en-US" sz="2400" dirty="0">
-                <a:solidFill>
-                  <a:srgbClr val="000000"/>
-                </a:solidFill>
-                <a:highlight>
-                  <a:srgbClr val="FFFFFF"/>
-                </a:highlight>
-                <a:latin typeface="Consolas"/>
-              </a:rPr>
-              <a:t>(</a:t>
-            </a:r>
-            <a:r>
-              <a:rPr lang="en-US" sz="2400" dirty="0">
-                <a:solidFill>
-                  <a:srgbClr val="A31515"/>
-                </a:solidFill>
-                <a:highlight>
-                  <a:srgbClr val="FFFFFF"/>
-                </a:highlight>
-                <a:latin typeface="Consolas"/>
-              </a:rPr>
-              <a:t>"input.txt</a:t>
-            </a:r>
-            <a:r>
-              <a:rPr lang="en-US" sz="2400" dirty="0" smtClean="0">
-                <a:solidFill>
-                  <a:srgbClr val="A31515"/>
-                </a:solidFill>
-                <a:highlight>
-                  <a:srgbClr val="FFFFFF"/>
-                </a:highlight>
-                <a:latin typeface="Consolas"/>
-              </a:rPr>
-              <a:t>"</a:t>
-            </a:r>
-            <a:r>
-              <a:rPr lang="en-US" sz="2400" dirty="0" smtClean="0">
-                <a:solidFill>
-                  <a:srgbClr val="000000"/>
-                </a:solidFill>
-                <a:highlight>
-                  <a:srgbClr val="FFFFFF"/>
-                </a:highlight>
-                <a:latin typeface="Consolas"/>
-              </a:rPr>
-              <a:t>) → </a:t>
-            </a:r>
-            <a:r>
-              <a:rPr lang="en-US" sz="2400" dirty="0" err="1" smtClean="0">
-                <a:solidFill>
-                  <a:srgbClr val="000000"/>
-                </a:solidFill>
-                <a:highlight>
-                  <a:srgbClr val="FFFFFF"/>
-                </a:highlight>
-                <a:latin typeface="Consolas"/>
-              </a:rPr>
-              <a:t>IEnumerable</a:t>
-            </a:r>
-            <a:r>
-              <a:rPr lang="en-US" sz="2400" dirty="0" smtClean="0">
-                <a:solidFill>
-                  <a:srgbClr val="000000"/>
-                </a:solidFill>
-                <a:highlight>
-                  <a:srgbClr val="FFFFFF"/>
-                </a:highlight>
-                <a:latin typeface="Consolas"/>
-              </a:rPr>
-              <a:t>&lt;string&gt;</a:t>
-            </a:r>
-            <a:endParaRPr lang="ru-RU" sz="2400" dirty="0" smtClean="0">
-              <a:solidFill>
-                <a:srgbClr val="000000"/>
-              </a:solidFill>
-              <a:highlight>
-                <a:srgbClr val="FFFFFF"/>
-              </a:highlight>
-              <a:latin typeface="Consolas"/>
-            </a:endParaRPr>
+              <a:rPr lang="ru-RU" sz="2800" dirty="0" smtClean="0"/>
+              <a:t>начнет перечислять </a:t>
+            </a:r>
+            <a:r>
+              <a:rPr lang="en-US" sz="2800" dirty="0" smtClean="0"/>
+              <a:t>list</a:t>
+            </a:r>
+            <a:r>
+              <a:rPr lang="ru-RU" sz="2800" dirty="0" smtClean="0"/>
+              <a:t> лишь когда начнут перечислять её</a:t>
+            </a:r>
           </a:p>
           <a:p>
             <a:pPr marL="0" indent="0">
               <a:buNone/>
             </a:pPr>
-            <a:endParaRPr lang="ru-RU" dirty="0" smtClean="0"/>
+            <a:endParaRPr lang="en-US" sz="2800" dirty="0" smtClean="0"/>
           </a:p>
           <a:p>
             <a:pPr marL="0" indent="0">
               <a:buNone/>
             </a:pPr>
-            <a:r>
-              <a:rPr lang="ru-RU" dirty="0" smtClean="0"/>
-              <a:t>читает </a:t>
-            </a:r>
-            <a:r>
-              <a:rPr lang="ru-RU" dirty="0"/>
-              <a:t>файл по мере итерирования по этому перечисляемому</a:t>
-            </a:r>
-            <a:endParaRPr lang="en-US" dirty="0"/>
+            <a:endParaRPr lang="en-US" sz="2800" dirty="0" smtClean="0"/>
+          </a:p>
+          <a:p>
+            <a:pPr marL="0" indent="0">
+              <a:buNone/>
+            </a:pPr>
+            <a:r>
+              <a:rPr lang="ru-RU" sz="2800" dirty="0"/>
+              <a:t>основная работа будет тут:</a:t>
+            </a:r>
+          </a:p>
+          <a:p>
+            <a:pPr marL="0" indent="0">
+              <a:buNone/>
+            </a:pPr>
+            <a:r>
+              <a:rPr lang="en-US" sz="2800" dirty="0" err="1" smtClean="0"/>
+              <a:t>int</a:t>
+            </a:r>
+            <a:r>
+              <a:rPr lang="en-US" sz="2800" dirty="0" smtClean="0"/>
+              <a:t>[] res = </a:t>
+            </a:r>
+            <a:r>
+              <a:rPr lang="en-US" sz="2800" dirty="0" err="1" smtClean="0"/>
+              <a:t>a.ToArray</a:t>
+            </a:r>
+            <a:r>
+              <a:rPr lang="en-US" sz="2800" dirty="0" smtClean="0"/>
+              <a:t>()</a:t>
+            </a:r>
+            <a:r>
+              <a:rPr lang="en-US" sz="2800" dirty="0"/>
+              <a:t>;</a:t>
+            </a:r>
+            <a:endParaRPr lang="en-US" sz="2800" dirty="0" smtClean="0"/>
+          </a:p>
+          <a:p>
+            <a:pPr marL="0" indent="0">
+              <a:buNone/>
+            </a:pPr>
+            <a:endParaRPr lang="en-US" sz="2800" dirty="0"/>
           </a:p>
         </p:txBody>
       </p:sp>
     </p:spTree>
     <p:extLst>
       <p:ext uri="{BB962C8B-B14F-4D97-AF65-F5344CB8AC3E}">
-        <p14:creationId xmlns:p14="http://schemas.microsoft.com/office/powerpoint/2010/main" val="3992485305"/>
+        <p14:creationId xmlns:p14="http://schemas.microsoft.com/office/powerpoint/2010/main" val="539562667"/>
       </p:ext>
     </p:extLst>
   </p:cSld>
@@ -20106,7 +19875,11 @@
           <a:p>
             <a:r>
               <a:rPr lang="en-US" dirty="0" smtClean="0"/>
-              <a:t>LINQ. yield return</a:t>
+              <a:t>LINQ. </a:t>
+            </a:r>
+            <a:r>
+              <a:rPr lang="ru-RU" dirty="0" smtClean="0"/>
+              <a:t>Ленивость</a:t>
             </a:r>
             <a:endParaRPr lang="ru-RU" dirty="0"/>
           </a:p>
@@ -20138,20 +19911,80 @@
               <a:buNone/>
             </a:pPr>
             <a:r>
+              <a:rPr lang="en-US" sz="2400" dirty="0" err="1" smtClean="0">
+                <a:solidFill>
+                  <a:srgbClr val="00008B"/>
+                </a:solidFill>
+                <a:highlight>
+                  <a:srgbClr val="FFFFFF"/>
+                </a:highlight>
+                <a:latin typeface="Consolas"/>
+              </a:rPr>
+              <a:t>File</a:t>
+            </a:r>
+            <a:r>
+              <a:rPr lang="en-US" sz="2400" dirty="0" err="1" smtClean="0">
+                <a:solidFill>
+                  <a:srgbClr val="000000"/>
+                </a:solidFill>
+                <a:highlight>
+                  <a:srgbClr val="FFFFFF"/>
+                </a:highlight>
+                <a:latin typeface="Consolas"/>
+              </a:rPr>
+              <a:t>.</a:t>
+            </a:r>
+            <a:r>
+              <a:rPr lang="en-US" sz="2400" dirty="0" err="1" smtClean="0">
+                <a:solidFill>
+                  <a:srgbClr val="008B8B"/>
+                </a:solidFill>
+                <a:highlight>
+                  <a:srgbClr val="FFFFFF"/>
+                </a:highlight>
+                <a:latin typeface="Consolas"/>
+              </a:rPr>
+              <a:t>ReadAllLines</a:t>
+            </a:r>
+            <a:r>
               <a:rPr lang="en-US" sz="2400" dirty="0">
                 <a:solidFill>
-                  <a:srgbClr val="0000FF"/>
-                </a:solidFill>
-                <a:highlight>
-                  <a:srgbClr val="FFFFFF"/>
-                </a:highlight>
-                <a:latin typeface="Consolas"/>
-              </a:rPr>
-              <a:t>public</a:t>
+                  <a:srgbClr val="000000"/>
+                </a:solidFill>
+                <a:highlight>
+                  <a:srgbClr val="FFFFFF"/>
+                </a:highlight>
+                <a:latin typeface="Consolas"/>
+              </a:rPr>
+              <a:t>(</a:t>
             </a:r>
             <a:r>
               <a:rPr lang="en-US" sz="2400" dirty="0">
                 <a:solidFill>
+                  <a:srgbClr val="A31515"/>
+                </a:solidFill>
+                <a:highlight>
+                  <a:srgbClr val="FFFFFF"/>
+                </a:highlight>
+                <a:latin typeface="Consolas"/>
+              </a:rPr>
+              <a:t>"input.txt</a:t>
+            </a:r>
+            <a:r>
+              <a:rPr lang="en-US" sz="2400" dirty="0" smtClean="0">
+                <a:solidFill>
+                  <a:srgbClr val="A31515"/>
+                </a:solidFill>
+                <a:highlight>
+                  <a:srgbClr val="FFFFFF"/>
+                </a:highlight>
+                <a:latin typeface="Consolas"/>
+              </a:rPr>
+              <a:t>"</a:t>
+            </a:r>
+            <a:r>
+              <a:rPr lang="en-US" sz="2400" dirty="0" smtClean="0">
+                <a:solidFill>
                   <a:srgbClr val="000000"/>
                 </a:solidFill>
                 <a:highlight>
@@ -20159,117 +19992,14 @@
                 </a:highlight>
                 <a:latin typeface="Consolas"/>
               </a:rPr>
-              <a:t> </a:t>
-            </a:r>
-            <a:r>
-              <a:rPr lang="en-US" sz="2400" dirty="0">
-                <a:solidFill>
-                  <a:srgbClr val="0000FF"/>
-                </a:solidFill>
-                <a:highlight>
-                  <a:srgbClr val="FFFFFF"/>
-                </a:highlight>
-                <a:latin typeface="Consolas"/>
-              </a:rPr>
-              <a:t>static</a:t>
-            </a:r>
-            <a:r>
-              <a:rPr lang="en-US" sz="2400" dirty="0">
-                <a:solidFill>
-                  <a:srgbClr val="000000"/>
-                </a:solidFill>
-                <a:highlight>
-                  <a:srgbClr val="FFFFFF"/>
-                </a:highlight>
-                <a:latin typeface="Consolas"/>
-              </a:rPr>
-              <a:t> </a:t>
-            </a:r>
-            <a:r>
-              <a:rPr lang="en-US" sz="2400" dirty="0" err="1">
-                <a:solidFill>
-                  <a:srgbClr val="00008B"/>
-                </a:solidFill>
-                <a:highlight>
-                  <a:srgbClr val="FFFFFF"/>
-                </a:highlight>
-                <a:latin typeface="Consolas"/>
-              </a:rPr>
-              <a:t>IEnumerable</a:t>
-            </a:r>
-            <a:r>
-              <a:rPr lang="en-US" sz="2400" dirty="0">
-                <a:solidFill>
-                  <a:srgbClr val="000000"/>
-                </a:solidFill>
-                <a:highlight>
-                  <a:srgbClr val="FFFFFF"/>
-                </a:highlight>
-                <a:latin typeface="Consolas"/>
-              </a:rPr>
-              <a:t>&lt;</a:t>
-            </a:r>
-            <a:r>
-              <a:rPr lang="en-US" sz="2400" dirty="0">
-                <a:solidFill>
-                  <a:srgbClr val="0000FF"/>
-                </a:solidFill>
-                <a:highlight>
-                  <a:srgbClr val="FFFFFF"/>
-                </a:highlight>
-                <a:latin typeface="Consolas"/>
-              </a:rPr>
-              <a:t>string</a:t>
-            </a:r>
-            <a:r>
-              <a:rPr lang="en-US" sz="2400" dirty="0">
-                <a:solidFill>
-                  <a:srgbClr val="000000"/>
-                </a:solidFill>
-                <a:highlight>
-                  <a:srgbClr val="FFFFFF"/>
-                </a:highlight>
-                <a:latin typeface="Consolas"/>
-              </a:rPr>
-              <a:t>&gt; </a:t>
-            </a:r>
-            <a:r>
-              <a:rPr lang="en-US" sz="2400" dirty="0" err="1">
-                <a:solidFill>
-                  <a:srgbClr val="008B8B"/>
-                </a:solidFill>
-                <a:highlight>
-                  <a:srgbClr val="FFFFFF"/>
-                </a:highlight>
-                <a:latin typeface="Consolas"/>
-              </a:rPr>
-              <a:t>AllGuids</a:t>
-            </a:r>
-            <a:r>
-              <a:rPr lang="en-US" sz="2400" dirty="0" smtClean="0">
-                <a:solidFill>
-                  <a:srgbClr val="000000"/>
-                </a:solidFill>
-                <a:highlight>
-                  <a:srgbClr val="FFFFFF"/>
-                </a:highlight>
-                <a:latin typeface="Consolas"/>
-              </a:rPr>
-              <a:t>() </a:t>
-            </a:r>
-            <a:r>
-              <a:rPr lang="ru-RU" sz="2400" dirty="0" smtClean="0">
-                <a:solidFill>
-                  <a:srgbClr val="000000"/>
-                </a:solidFill>
-                <a:highlight>
-                  <a:srgbClr val="FFFFFF"/>
-                </a:highlight>
-                <a:latin typeface="Consolas"/>
-              </a:rPr>
-              <a:t>{</a:t>
-            </a:r>
-            <a:endParaRPr lang="ru-RU" sz="2400" dirty="0">
+              <a:t>) → string[]</a:t>
+            </a:r>
+          </a:p>
+          <a:p>
+            <a:pPr marL="0" indent="0">
+              <a:buNone/>
+            </a:pPr>
+            <a:endParaRPr lang="ru-RU" sz="2400" dirty="0" smtClean="0">
               <a:solidFill>
                 <a:srgbClr val="000000"/>
               </a:solidFill>
@@ -20284,16 +20014,86 @@
               <a:buNone/>
             </a:pPr>
             <a:r>
+              <a:rPr lang="ru-RU" dirty="0"/>
+              <a:t>Ленивая версия:</a:t>
+            </a:r>
+            <a:endParaRPr lang="en-US" dirty="0"/>
+          </a:p>
+          <a:p>
+            <a:pPr marL="0" indent="0">
+              <a:buNone/>
+            </a:pPr>
+            <a:r>
+              <a:rPr lang="en-US" sz="2400" dirty="0" err="1" smtClean="0">
+                <a:solidFill>
+                  <a:srgbClr val="00008B"/>
+                </a:solidFill>
+                <a:highlight>
+                  <a:srgbClr val="FFFFFF"/>
+                </a:highlight>
+                <a:latin typeface="Consolas"/>
+              </a:rPr>
+              <a:t>File</a:t>
+            </a:r>
+            <a:r>
+              <a:rPr lang="en-US" sz="2400" dirty="0" err="1" smtClean="0">
+                <a:solidFill>
+                  <a:srgbClr val="000000"/>
+                </a:solidFill>
+                <a:highlight>
+                  <a:srgbClr val="FFFFFF"/>
+                </a:highlight>
+                <a:latin typeface="Consolas"/>
+              </a:rPr>
+              <a:t>.</a:t>
+            </a:r>
+            <a:r>
+              <a:rPr lang="en-US" sz="2400" dirty="0" err="1" smtClean="0">
+                <a:solidFill>
+                  <a:srgbClr val="008B8B"/>
+                </a:solidFill>
+                <a:highlight>
+                  <a:srgbClr val="FFFFFF"/>
+                </a:highlight>
+                <a:latin typeface="Consolas"/>
+              </a:rPr>
+              <a:t>ReadLines</a:t>
+            </a:r>
+            <a:r>
+              <a:rPr lang="en-US" sz="2400" dirty="0">
+                <a:solidFill>
+                  <a:srgbClr val="000000"/>
+                </a:solidFill>
+                <a:highlight>
+                  <a:srgbClr val="FFFFFF"/>
+                </a:highlight>
+                <a:latin typeface="Consolas"/>
+              </a:rPr>
+              <a:t>(</a:t>
+            </a:r>
+            <a:r>
+              <a:rPr lang="en-US" sz="2400" dirty="0">
+                <a:solidFill>
+                  <a:srgbClr val="A31515"/>
+                </a:solidFill>
+                <a:highlight>
+                  <a:srgbClr val="FFFFFF"/>
+                </a:highlight>
+                <a:latin typeface="Consolas"/>
+              </a:rPr>
+              <a:t>"input.txt</a:t>
+            </a:r>
+            <a:r>
               <a:rPr lang="en-US" sz="2400" dirty="0" smtClean="0">
                 <a:solidFill>
-                  <a:srgbClr val="0000FF"/>
-                </a:solidFill>
-                <a:highlight>
-                  <a:srgbClr val="FFFFFF"/>
-                </a:highlight>
-                <a:latin typeface="Consolas"/>
-              </a:rPr>
-              <a:t>	yield</a:t>
+                  <a:srgbClr val="A31515"/>
+                </a:solidFill>
+                <a:highlight>
+                  <a:srgbClr val="FFFFFF"/>
+                </a:highlight>
+                <a:latin typeface="Consolas"/>
+              </a:rPr>
+              <a:t>"</a:t>
             </a:r>
             <a:r>
               <a:rPr lang="en-US" sz="2400" dirty="0" smtClean="0">
@@ -20305,22 +20105,10 @@
                 </a:highlight>
                 <a:latin typeface="Consolas"/>
               </a:rPr>
-              <a:t> </a:t>
-            </a:r>
-            <a:r>
-              <a:rPr lang="en-US" sz="2400" dirty="0">
-                <a:solidFill>
-                  <a:srgbClr val="0000FF"/>
-                </a:solidFill>
-                <a:highlight>
-                  <a:srgbClr val="FFFFFF"/>
-                </a:highlight>
-                <a:latin typeface="Consolas"/>
-              </a:rPr>
-              <a:t>return</a:t>
-            </a:r>
-            <a:r>
-              <a:rPr lang="en-US" sz="2400" dirty="0">
+              <a:t>) → </a:t>
+            </a:r>
+            <a:r>
+              <a:rPr lang="en-US" sz="2400" dirty="0" err="1" smtClean="0">
                 <a:solidFill>
                   <a:srgbClr val="000000"/>
                 </a:solidFill>
@@ -20329,22 +20117,10 @@
                 </a:highlight>
                 <a:latin typeface="Consolas"/>
               </a:rPr>
-              <a:t> </a:t>
-            </a:r>
-            <a:r>
-              <a:rPr lang="en-US" sz="2400" dirty="0" err="1">
-                <a:solidFill>
-                  <a:srgbClr val="00008B"/>
-                </a:solidFill>
-                <a:highlight>
-                  <a:srgbClr val="FFFFFF"/>
-                </a:highlight>
-                <a:latin typeface="Consolas"/>
-              </a:rPr>
-              <a:t>Guid</a:t>
-            </a:r>
-            <a:r>
-              <a:rPr lang="en-US" sz="2400" dirty="0" err="1">
+              <a:t>IEnumerable</a:t>
+            </a:r>
+            <a:r>
+              <a:rPr lang="en-US" sz="2400" dirty="0" smtClean="0">
                 <a:solidFill>
                   <a:srgbClr val="000000"/>
                 </a:solidFill>
@@ -20353,264 +20129,9 @@
                 </a:highlight>
                 <a:latin typeface="Consolas"/>
               </a:rPr>
-              <a:t>.</a:t>
-            </a:r>
-            <a:r>
-              <a:rPr lang="en-US" sz="2400" dirty="0" err="1">
-                <a:solidFill>
-                  <a:srgbClr val="800080"/>
-                </a:solidFill>
-                <a:highlight>
-                  <a:srgbClr val="FFFFFF"/>
-                </a:highlight>
-                <a:latin typeface="Consolas"/>
-              </a:rPr>
-              <a:t>Empty</a:t>
-            </a:r>
-            <a:r>
-              <a:rPr lang="en-US" sz="2400" dirty="0" err="1">
-                <a:solidFill>
-                  <a:srgbClr val="000000"/>
-                </a:solidFill>
-                <a:highlight>
-                  <a:srgbClr val="FFFFFF"/>
-                </a:highlight>
-                <a:latin typeface="Consolas"/>
-              </a:rPr>
-              <a:t>.</a:t>
-            </a:r>
-            <a:r>
-              <a:rPr lang="en-US" sz="2400" dirty="0" err="1">
-                <a:solidFill>
-                  <a:srgbClr val="008B8B"/>
-                </a:solidFill>
-                <a:highlight>
-                  <a:srgbClr val="FFFFFF"/>
-                </a:highlight>
-                <a:latin typeface="Consolas"/>
-              </a:rPr>
-              <a:t>ToString</a:t>
-            </a:r>
-            <a:r>
-              <a:rPr lang="en-US" sz="2400" dirty="0">
-                <a:solidFill>
-                  <a:srgbClr val="000000"/>
-                </a:solidFill>
-                <a:highlight>
-                  <a:srgbClr val="FFFFFF"/>
-                </a:highlight>
-                <a:latin typeface="Consolas"/>
-              </a:rPr>
-              <a:t>();</a:t>
-            </a:r>
-          </a:p>
-          <a:p>
-            <a:pPr marL="0" indent="0">
-              <a:buNone/>
-            </a:pPr>
-            <a:r>
-              <a:rPr lang="en-US" sz="2400" dirty="0" smtClean="0">
-                <a:solidFill>
-                  <a:srgbClr val="0000FF"/>
-                </a:solidFill>
-                <a:highlight>
-                  <a:srgbClr val="FFFFFF"/>
-                </a:highlight>
-                <a:latin typeface="Consolas"/>
-              </a:rPr>
-              <a:t>	while</a:t>
-            </a:r>
-            <a:r>
-              <a:rPr lang="en-US" sz="2400" dirty="0" smtClean="0">
-                <a:solidFill>
-                  <a:srgbClr val="000000"/>
-                </a:solidFill>
-                <a:highlight>
-                  <a:srgbClr val="FFFFFF"/>
-                </a:highlight>
-                <a:latin typeface="Consolas"/>
-              </a:rPr>
-              <a:t> </a:t>
-            </a:r>
-            <a:r>
-              <a:rPr lang="en-US" sz="2400" dirty="0">
-                <a:solidFill>
-                  <a:srgbClr val="000000"/>
-                </a:solidFill>
-                <a:highlight>
-                  <a:srgbClr val="FFFFFF"/>
-                </a:highlight>
-                <a:latin typeface="Consolas"/>
-              </a:rPr>
-              <a:t>(</a:t>
-            </a:r>
-            <a:r>
-              <a:rPr lang="en-US" sz="2400" dirty="0">
-                <a:solidFill>
-                  <a:srgbClr val="0000FF"/>
-                </a:solidFill>
-                <a:highlight>
-                  <a:srgbClr val="FFFFFF"/>
-                </a:highlight>
-                <a:latin typeface="Consolas"/>
-              </a:rPr>
-              <a:t>true</a:t>
-            </a:r>
-            <a:r>
-              <a:rPr lang="en-US" sz="2400" dirty="0">
-                <a:solidFill>
-                  <a:srgbClr val="000000"/>
-                </a:solidFill>
-                <a:highlight>
-                  <a:srgbClr val="FFFFFF"/>
-                </a:highlight>
-                <a:latin typeface="Consolas"/>
-              </a:rPr>
-              <a:t>)</a:t>
-            </a:r>
-          </a:p>
-          <a:p>
-            <a:pPr marL="0" indent="0">
-              <a:buNone/>
-            </a:pPr>
-            <a:r>
-              <a:rPr lang="en-US" sz="2400" dirty="0" smtClean="0">
-                <a:solidFill>
-                  <a:srgbClr val="0000FF"/>
-                </a:solidFill>
-                <a:highlight>
-                  <a:srgbClr val="FFFFFF"/>
-                </a:highlight>
-                <a:latin typeface="Consolas"/>
-              </a:rPr>
-              <a:t>	    yield</a:t>
-            </a:r>
-            <a:r>
-              <a:rPr lang="en-US" sz="2400" dirty="0" smtClean="0">
-                <a:solidFill>
-                  <a:srgbClr val="000000"/>
-                </a:solidFill>
-                <a:highlight>
-                  <a:srgbClr val="FFFFFF"/>
-                </a:highlight>
-                <a:latin typeface="Consolas"/>
-              </a:rPr>
-              <a:t> </a:t>
-            </a:r>
-            <a:r>
-              <a:rPr lang="en-US" sz="2400" dirty="0">
-                <a:solidFill>
-                  <a:srgbClr val="0000FF"/>
-                </a:solidFill>
-                <a:highlight>
-                  <a:srgbClr val="FFFFFF"/>
-                </a:highlight>
-                <a:latin typeface="Consolas"/>
-              </a:rPr>
-              <a:t>return</a:t>
-            </a:r>
-            <a:r>
-              <a:rPr lang="en-US" sz="2400" dirty="0">
-                <a:solidFill>
-                  <a:srgbClr val="000000"/>
-                </a:solidFill>
-                <a:highlight>
-                  <a:srgbClr val="FFFFFF"/>
-                </a:highlight>
-                <a:latin typeface="Consolas"/>
-              </a:rPr>
-              <a:t> </a:t>
-            </a:r>
-            <a:r>
-              <a:rPr lang="en-US" sz="2400" dirty="0" err="1">
-                <a:solidFill>
-                  <a:srgbClr val="00008B"/>
-                </a:solidFill>
-                <a:highlight>
-                  <a:srgbClr val="FFFFFF"/>
-                </a:highlight>
-                <a:latin typeface="Consolas"/>
-              </a:rPr>
-              <a:t>Guid</a:t>
-            </a:r>
-            <a:r>
-              <a:rPr lang="en-US" sz="2400" dirty="0" err="1">
-                <a:solidFill>
-                  <a:srgbClr val="000000"/>
-                </a:solidFill>
-                <a:highlight>
-                  <a:srgbClr val="FFFFFF"/>
-                </a:highlight>
-                <a:latin typeface="Consolas"/>
-              </a:rPr>
-              <a:t>.</a:t>
-            </a:r>
-            <a:r>
-              <a:rPr lang="en-US" sz="2400" dirty="0" err="1">
-                <a:solidFill>
-                  <a:srgbClr val="008B8B"/>
-                </a:solidFill>
-                <a:highlight>
-                  <a:srgbClr val="FFFFFF"/>
-                </a:highlight>
-                <a:latin typeface="Consolas"/>
-              </a:rPr>
-              <a:t>NewGuid</a:t>
-            </a:r>
-            <a:r>
-              <a:rPr lang="en-US" sz="2400" dirty="0">
-                <a:solidFill>
-                  <a:srgbClr val="000000"/>
-                </a:solidFill>
-                <a:highlight>
-                  <a:srgbClr val="FFFFFF"/>
-                </a:highlight>
-                <a:latin typeface="Consolas"/>
-              </a:rPr>
-              <a:t>().</a:t>
-            </a:r>
-            <a:r>
-              <a:rPr lang="en-US" sz="2400" dirty="0" err="1">
-                <a:solidFill>
-                  <a:srgbClr val="008B8B"/>
-                </a:solidFill>
-                <a:highlight>
-                  <a:srgbClr val="FFFFFF"/>
-                </a:highlight>
-                <a:latin typeface="Consolas"/>
-              </a:rPr>
-              <a:t>ToString</a:t>
-            </a:r>
-            <a:r>
-              <a:rPr lang="en-US" sz="2400" dirty="0">
-                <a:solidFill>
-                  <a:srgbClr val="000000"/>
-                </a:solidFill>
-                <a:highlight>
-                  <a:srgbClr val="FFFFFF"/>
-                </a:highlight>
-                <a:latin typeface="Consolas"/>
-              </a:rPr>
-              <a:t>();</a:t>
-            </a:r>
-          </a:p>
-          <a:p>
-            <a:pPr marL="0" indent="0">
-              <a:buNone/>
-            </a:pPr>
-            <a:r>
-              <a:rPr lang="ru-RU" sz="2400" dirty="0" smtClean="0">
-                <a:solidFill>
-                  <a:srgbClr val="000000"/>
-                </a:solidFill>
-                <a:highlight>
-                  <a:srgbClr val="FFFFFF"/>
-                </a:highlight>
-                <a:latin typeface="Consolas"/>
-              </a:rPr>
-              <a:t>}</a:t>
-            </a:r>
-            <a:endParaRPr lang="en-US" sz="2400" dirty="0" smtClean="0">
+              <a:t>&lt;string&gt;</a:t>
+            </a:r>
+            <a:endParaRPr lang="ru-RU" sz="2400" dirty="0" smtClean="0">
               <a:solidFill>
                 <a:srgbClr val="000000"/>
               </a:solidFill>
@@ -20624,15 +20145,7 @@
             <a:pPr marL="0" indent="0">
               <a:buNone/>
             </a:pPr>
-            <a:endParaRPr lang="en-US" sz="2000" dirty="0">
-              <a:solidFill>
-                <a:srgbClr val="000000"/>
-              </a:solidFill>
-              <a:highlight>
-                <a:srgbClr val="FFFFFF"/>
-              </a:highlight>
-              <a:latin typeface="Consolas"/>
-            </a:endParaRPr>
+            <a:endParaRPr lang="ru-RU" dirty="0" smtClean="0"/>
           </a:p>
           <a:p>
             <a:pPr marL="0" indent="0">
@@ -20640,16 +20153,20 @@
             </a:pPr>
             <a:r>
               <a:rPr lang="ru-RU" dirty="0" smtClean="0"/>
-              <a:t>Упрощенный способ создания ленивого перечисляемого.</a:t>
-            </a:r>
-            <a:endParaRPr lang="ru-RU" dirty="0"/>
+              <a:t>читает </a:t>
+            </a:r>
+            <a:r>
+              <a:rPr lang="ru-RU" dirty="0"/>
+              <a:t>файл по мере итерирования по этому перечисляемому</a:t>
+            </a:r>
+            <a:endParaRPr lang="en-US" dirty="0"/>
           </a:p>
         </p:txBody>
       </p:sp>
     </p:spTree>
     <p:extLst>
       <p:ext uri="{BB962C8B-B14F-4D97-AF65-F5344CB8AC3E}">
-        <p14:creationId xmlns:p14="http://schemas.microsoft.com/office/powerpoint/2010/main" val="3951229687"/>
+        <p14:creationId xmlns:p14="http://schemas.microsoft.com/office/powerpoint/2010/main" val="3992485305"/>
       </p:ext>
     </p:extLst>
   </p:cSld>
@@ -20700,6 +20217,604 @@
           <a:p>
             <a:r>
               <a:rPr lang="en-US" dirty="0" smtClean="0"/>
+              <a:t>LINQ. yield return</a:t>
+            </a:r>
+            <a:endParaRPr lang="ru-RU" dirty="0"/>
+          </a:p>
+        </p:txBody>
+      </p:sp>
+      <p:sp>
+        <p:nvSpPr>
+          <p:cNvPr id="3" name="Объект 2"/>
+          <p:cNvSpPr>
+            <a:spLocks noGrp="1"/>
+          </p:cNvSpPr>
+          <p:nvPr>
+            <p:ph idx="1"/>
+          </p:nvPr>
+        </p:nvSpPr>
+        <p:spPr>
+          <a:xfrm>
+            <a:off x="457200" y="1600200"/>
+            <a:ext cx="8435280" cy="4525963"/>
+          </a:xfrm>
+        </p:spPr>
+        <p:txBody>
+          <a:bodyPr>
+            <a:normAutofit/>
+          </a:bodyPr>
+          <a:lstStyle/>
+          <a:p>
+            <a:pPr marL="0" indent="0">
+              <a:buNone/>
+            </a:pPr>
+            <a:r>
+              <a:rPr lang="en-US" sz="2400" dirty="0">
+                <a:solidFill>
+                  <a:srgbClr val="0000FF"/>
+                </a:solidFill>
+                <a:highlight>
+                  <a:srgbClr val="FFFFFF"/>
+                </a:highlight>
+                <a:latin typeface="Consolas"/>
+              </a:rPr>
+              <a:t>public</a:t>
+            </a:r>
+            <a:r>
+              <a:rPr lang="en-US" sz="2400" dirty="0">
+                <a:solidFill>
+                  <a:srgbClr val="000000"/>
+                </a:solidFill>
+                <a:highlight>
+                  <a:srgbClr val="FFFFFF"/>
+                </a:highlight>
+                <a:latin typeface="Consolas"/>
+              </a:rPr>
+              <a:t> </a:t>
+            </a:r>
+            <a:r>
+              <a:rPr lang="en-US" sz="2400" dirty="0">
+                <a:solidFill>
+                  <a:srgbClr val="0000FF"/>
+                </a:solidFill>
+                <a:highlight>
+                  <a:srgbClr val="FFFFFF"/>
+                </a:highlight>
+                <a:latin typeface="Consolas"/>
+              </a:rPr>
+              <a:t>static</a:t>
+            </a:r>
+            <a:r>
+              <a:rPr lang="en-US" sz="2400" dirty="0">
+                <a:solidFill>
+                  <a:srgbClr val="000000"/>
+                </a:solidFill>
+                <a:highlight>
+                  <a:srgbClr val="FFFFFF"/>
+                </a:highlight>
+                <a:latin typeface="Consolas"/>
+              </a:rPr>
+              <a:t> </a:t>
+            </a:r>
+            <a:r>
+              <a:rPr lang="en-US" sz="2400" dirty="0" err="1">
+                <a:solidFill>
+                  <a:srgbClr val="00008B"/>
+                </a:solidFill>
+                <a:highlight>
+                  <a:srgbClr val="FFFFFF"/>
+                </a:highlight>
+                <a:latin typeface="Consolas"/>
+              </a:rPr>
+              <a:t>IEnumerable</a:t>
+            </a:r>
+            <a:r>
+              <a:rPr lang="en-US" sz="2400" dirty="0">
+                <a:solidFill>
+                  <a:srgbClr val="000000"/>
+                </a:solidFill>
+                <a:highlight>
+                  <a:srgbClr val="FFFFFF"/>
+                </a:highlight>
+                <a:latin typeface="Consolas"/>
+              </a:rPr>
+              <a:t>&lt;</a:t>
+            </a:r>
+            <a:r>
+              <a:rPr lang="en-US" sz="2400" dirty="0">
+                <a:solidFill>
+                  <a:srgbClr val="0000FF"/>
+                </a:solidFill>
+                <a:highlight>
+                  <a:srgbClr val="FFFFFF"/>
+                </a:highlight>
+                <a:latin typeface="Consolas"/>
+              </a:rPr>
+              <a:t>string</a:t>
+            </a:r>
+            <a:r>
+              <a:rPr lang="en-US" sz="2400" dirty="0">
+                <a:solidFill>
+                  <a:srgbClr val="000000"/>
+                </a:solidFill>
+                <a:highlight>
+                  <a:srgbClr val="FFFFFF"/>
+                </a:highlight>
+                <a:latin typeface="Consolas"/>
+              </a:rPr>
+              <a:t>&gt; </a:t>
+            </a:r>
+            <a:r>
+              <a:rPr lang="en-US" sz="2400" dirty="0" err="1">
+                <a:solidFill>
+                  <a:srgbClr val="008B8B"/>
+                </a:solidFill>
+                <a:highlight>
+                  <a:srgbClr val="FFFFFF"/>
+                </a:highlight>
+                <a:latin typeface="Consolas"/>
+              </a:rPr>
+              <a:t>AllGuids</a:t>
+            </a:r>
+            <a:r>
+              <a:rPr lang="en-US" sz="2400" dirty="0" smtClean="0">
+                <a:solidFill>
+                  <a:srgbClr val="000000"/>
+                </a:solidFill>
+                <a:highlight>
+                  <a:srgbClr val="FFFFFF"/>
+                </a:highlight>
+                <a:latin typeface="Consolas"/>
+              </a:rPr>
+              <a:t>() </a:t>
+            </a:r>
+            <a:r>
+              <a:rPr lang="ru-RU" sz="2400" dirty="0" smtClean="0">
+                <a:solidFill>
+                  <a:srgbClr val="000000"/>
+                </a:solidFill>
+                <a:highlight>
+                  <a:srgbClr val="FFFFFF"/>
+                </a:highlight>
+                <a:latin typeface="Consolas"/>
+              </a:rPr>
+              <a:t>{</a:t>
+            </a:r>
+            <a:endParaRPr lang="ru-RU" sz="2400" dirty="0">
+              <a:solidFill>
+                <a:srgbClr val="000000"/>
+              </a:solidFill>
+              <a:highlight>
+                <a:srgbClr val="FFFFFF"/>
+              </a:highlight>
+              <a:latin typeface="Consolas"/>
+            </a:endParaRPr>
+          </a:p>
+          <a:p>
+            <a:pPr marL="0" indent="0">
+              <a:buNone/>
+            </a:pPr>
+            <a:r>
+              <a:rPr lang="en-US" sz="2400" dirty="0" smtClean="0">
+                <a:solidFill>
+                  <a:srgbClr val="0000FF"/>
+                </a:solidFill>
+                <a:highlight>
+                  <a:srgbClr val="FFFFFF"/>
+                </a:highlight>
+                <a:latin typeface="Consolas"/>
+              </a:rPr>
+              <a:t>	yield</a:t>
+            </a:r>
+            <a:r>
+              <a:rPr lang="en-US" sz="2400" dirty="0" smtClean="0">
+                <a:solidFill>
+                  <a:srgbClr val="000000"/>
+                </a:solidFill>
+                <a:highlight>
+                  <a:srgbClr val="FFFFFF"/>
+                </a:highlight>
+                <a:latin typeface="Consolas"/>
+              </a:rPr>
+              <a:t> </a:t>
+            </a:r>
+            <a:r>
+              <a:rPr lang="en-US" sz="2400" dirty="0">
+                <a:solidFill>
+                  <a:srgbClr val="0000FF"/>
+                </a:solidFill>
+                <a:highlight>
+                  <a:srgbClr val="FFFFFF"/>
+                </a:highlight>
+                <a:latin typeface="Consolas"/>
+              </a:rPr>
+              <a:t>return</a:t>
+            </a:r>
+            <a:r>
+              <a:rPr lang="en-US" sz="2400" dirty="0">
+                <a:solidFill>
+                  <a:srgbClr val="000000"/>
+                </a:solidFill>
+                <a:highlight>
+                  <a:srgbClr val="FFFFFF"/>
+                </a:highlight>
+                <a:latin typeface="Consolas"/>
+              </a:rPr>
+              <a:t> </a:t>
+            </a:r>
+            <a:r>
+              <a:rPr lang="en-US" sz="2400" dirty="0" err="1">
+                <a:solidFill>
+                  <a:srgbClr val="00008B"/>
+                </a:solidFill>
+                <a:highlight>
+                  <a:srgbClr val="FFFFFF"/>
+                </a:highlight>
+                <a:latin typeface="Consolas"/>
+              </a:rPr>
+              <a:t>Guid</a:t>
+            </a:r>
+            <a:r>
+              <a:rPr lang="en-US" sz="2400" dirty="0" err="1">
+                <a:solidFill>
+                  <a:srgbClr val="000000"/>
+                </a:solidFill>
+                <a:highlight>
+                  <a:srgbClr val="FFFFFF"/>
+                </a:highlight>
+                <a:latin typeface="Consolas"/>
+              </a:rPr>
+              <a:t>.</a:t>
+            </a:r>
+            <a:r>
+              <a:rPr lang="en-US" sz="2400" dirty="0" err="1">
+                <a:solidFill>
+                  <a:srgbClr val="800080"/>
+                </a:solidFill>
+                <a:highlight>
+                  <a:srgbClr val="FFFFFF"/>
+                </a:highlight>
+                <a:latin typeface="Consolas"/>
+              </a:rPr>
+              <a:t>Empty</a:t>
+            </a:r>
+            <a:r>
+              <a:rPr lang="en-US" sz="2400" dirty="0" err="1">
+                <a:solidFill>
+                  <a:srgbClr val="000000"/>
+                </a:solidFill>
+                <a:highlight>
+                  <a:srgbClr val="FFFFFF"/>
+                </a:highlight>
+                <a:latin typeface="Consolas"/>
+              </a:rPr>
+              <a:t>.</a:t>
+            </a:r>
+            <a:r>
+              <a:rPr lang="en-US" sz="2400" dirty="0" err="1">
+                <a:solidFill>
+                  <a:srgbClr val="008B8B"/>
+                </a:solidFill>
+                <a:highlight>
+                  <a:srgbClr val="FFFFFF"/>
+                </a:highlight>
+                <a:latin typeface="Consolas"/>
+              </a:rPr>
+              <a:t>ToString</a:t>
+            </a:r>
+            <a:r>
+              <a:rPr lang="en-US" sz="2400" dirty="0">
+                <a:solidFill>
+                  <a:srgbClr val="000000"/>
+                </a:solidFill>
+                <a:highlight>
+                  <a:srgbClr val="FFFFFF"/>
+                </a:highlight>
+                <a:latin typeface="Consolas"/>
+              </a:rPr>
+              <a:t>();</a:t>
+            </a:r>
+          </a:p>
+          <a:p>
+            <a:pPr marL="0" indent="0">
+              <a:buNone/>
+            </a:pPr>
+            <a:r>
+              <a:rPr lang="en-US" sz="2400" dirty="0" smtClean="0">
+                <a:solidFill>
+                  <a:srgbClr val="0000FF"/>
+                </a:solidFill>
+                <a:highlight>
+                  <a:srgbClr val="FFFFFF"/>
+                </a:highlight>
+                <a:latin typeface="Consolas"/>
+              </a:rPr>
+              <a:t>	while</a:t>
+            </a:r>
+            <a:r>
+              <a:rPr lang="en-US" sz="2400" dirty="0" smtClean="0">
+                <a:solidFill>
+                  <a:srgbClr val="000000"/>
+                </a:solidFill>
+                <a:highlight>
+                  <a:srgbClr val="FFFFFF"/>
+                </a:highlight>
+                <a:latin typeface="Consolas"/>
+              </a:rPr>
+              <a:t> </a:t>
+            </a:r>
+            <a:r>
+              <a:rPr lang="en-US" sz="2400" dirty="0">
+                <a:solidFill>
+                  <a:srgbClr val="000000"/>
+                </a:solidFill>
+                <a:highlight>
+                  <a:srgbClr val="FFFFFF"/>
+                </a:highlight>
+                <a:latin typeface="Consolas"/>
+              </a:rPr>
+              <a:t>(</a:t>
+            </a:r>
+            <a:r>
+              <a:rPr lang="en-US" sz="2400" dirty="0">
+                <a:solidFill>
+                  <a:srgbClr val="0000FF"/>
+                </a:solidFill>
+                <a:highlight>
+                  <a:srgbClr val="FFFFFF"/>
+                </a:highlight>
+                <a:latin typeface="Consolas"/>
+              </a:rPr>
+              <a:t>true</a:t>
+            </a:r>
+            <a:r>
+              <a:rPr lang="en-US" sz="2400" dirty="0">
+                <a:solidFill>
+                  <a:srgbClr val="000000"/>
+                </a:solidFill>
+                <a:highlight>
+                  <a:srgbClr val="FFFFFF"/>
+                </a:highlight>
+                <a:latin typeface="Consolas"/>
+              </a:rPr>
+              <a:t>)</a:t>
+            </a:r>
+          </a:p>
+          <a:p>
+            <a:pPr marL="0" indent="0">
+              <a:buNone/>
+            </a:pPr>
+            <a:r>
+              <a:rPr lang="en-US" sz="2400" dirty="0" smtClean="0">
+                <a:solidFill>
+                  <a:srgbClr val="0000FF"/>
+                </a:solidFill>
+                <a:highlight>
+                  <a:srgbClr val="FFFFFF"/>
+                </a:highlight>
+                <a:latin typeface="Consolas"/>
+              </a:rPr>
+              <a:t>	    yield</a:t>
+            </a:r>
+            <a:r>
+              <a:rPr lang="en-US" sz="2400" dirty="0" smtClean="0">
+                <a:solidFill>
+                  <a:srgbClr val="000000"/>
+                </a:solidFill>
+                <a:highlight>
+                  <a:srgbClr val="FFFFFF"/>
+                </a:highlight>
+                <a:latin typeface="Consolas"/>
+              </a:rPr>
+              <a:t> </a:t>
+            </a:r>
+            <a:r>
+              <a:rPr lang="en-US" sz="2400" dirty="0">
+                <a:solidFill>
+                  <a:srgbClr val="0000FF"/>
+                </a:solidFill>
+                <a:highlight>
+                  <a:srgbClr val="FFFFFF"/>
+                </a:highlight>
+                <a:latin typeface="Consolas"/>
+              </a:rPr>
+              <a:t>return</a:t>
+            </a:r>
+            <a:r>
+              <a:rPr lang="en-US" sz="2400" dirty="0">
+                <a:solidFill>
+                  <a:srgbClr val="000000"/>
+                </a:solidFill>
+                <a:highlight>
+                  <a:srgbClr val="FFFFFF"/>
+                </a:highlight>
+                <a:latin typeface="Consolas"/>
+              </a:rPr>
+              <a:t> </a:t>
+            </a:r>
+            <a:r>
+              <a:rPr lang="en-US" sz="2400" dirty="0" err="1">
+                <a:solidFill>
+                  <a:srgbClr val="00008B"/>
+                </a:solidFill>
+                <a:highlight>
+                  <a:srgbClr val="FFFFFF"/>
+                </a:highlight>
+                <a:latin typeface="Consolas"/>
+              </a:rPr>
+              <a:t>Guid</a:t>
+            </a:r>
+            <a:r>
+              <a:rPr lang="en-US" sz="2400" dirty="0" err="1">
+                <a:solidFill>
+                  <a:srgbClr val="000000"/>
+                </a:solidFill>
+                <a:highlight>
+                  <a:srgbClr val="FFFFFF"/>
+                </a:highlight>
+                <a:latin typeface="Consolas"/>
+              </a:rPr>
+              <a:t>.</a:t>
+            </a:r>
+            <a:r>
+              <a:rPr lang="en-US" sz="2400" dirty="0" err="1">
+                <a:solidFill>
+                  <a:srgbClr val="008B8B"/>
+                </a:solidFill>
+                <a:highlight>
+                  <a:srgbClr val="FFFFFF"/>
+                </a:highlight>
+                <a:latin typeface="Consolas"/>
+              </a:rPr>
+              <a:t>NewGuid</a:t>
+            </a:r>
+            <a:r>
+              <a:rPr lang="en-US" sz="2400" dirty="0">
+                <a:solidFill>
+                  <a:srgbClr val="000000"/>
+                </a:solidFill>
+                <a:highlight>
+                  <a:srgbClr val="FFFFFF"/>
+                </a:highlight>
+                <a:latin typeface="Consolas"/>
+              </a:rPr>
+              <a:t>().</a:t>
+            </a:r>
+            <a:r>
+              <a:rPr lang="en-US" sz="2400" dirty="0" err="1">
+                <a:solidFill>
+                  <a:srgbClr val="008B8B"/>
+                </a:solidFill>
+                <a:highlight>
+                  <a:srgbClr val="FFFFFF"/>
+                </a:highlight>
+                <a:latin typeface="Consolas"/>
+              </a:rPr>
+              <a:t>ToString</a:t>
+            </a:r>
+            <a:r>
+              <a:rPr lang="en-US" sz="2400" dirty="0">
+                <a:solidFill>
+                  <a:srgbClr val="000000"/>
+                </a:solidFill>
+                <a:highlight>
+                  <a:srgbClr val="FFFFFF"/>
+                </a:highlight>
+                <a:latin typeface="Consolas"/>
+              </a:rPr>
+              <a:t>();</a:t>
+            </a:r>
+          </a:p>
+          <a:p>
+            <a:pPr marL="0" indent="0">
+              <a:buNone/>
+            </a:pPr>
+            <a:r>
+              <a:rPr lang="ru-RU" sz="2400" dirty="0" smtClean="0">
+                <a:solidFill>
+                  <a:srgbClr val="000000"/>
+                </a:solidFill>
+                <a:highlight>
+                  <a:srgbClr val="FFFFFF"/>
+                </a:highlight>
+                <a:latin typeface="Consolas"/>
+              </a:rPr>
+              <a:t>}</a:t>
+            </a:r>
+            <a:endParaRPr lang="en-US" sz="2400" dirty="0" smtClean="0">
+              <a:solidFill>
+                <a:srgbClr val="000000"/>
+              </a:solidFill>
+              <a:highlight>
+                <a:srgbClr val="FFFFFF"/>
+              </a:highlight>
+              <a:latin typeface="Consolas"/>
+            </a:endParaRPr>
+          </a:p>
+          <a:p>
+            <a:pPr marL="0" indent="0">
+              <a:buNone/>
+            </a:pPr>
+            <a:endParaRPr lang="en-US" sz="2000" dirty="0">
+              <a:solidFill>
+                <a:srgbClr val="000000"/>
+              </a:solidFill>
+              <a:highlight>
+                <a:srgbClr val="FFFFFF"/>
+              </a:highlight>
+              <a:latin typeface="Consolas"/>
+            </a:endParaRPr>
+          </a:p>
+          <a:p>
+            <a:pPr marL="0" indent="0">
+              <a:buNone/>
+            </a:pPr>
+            <a:r>
+              <a:rPr lang="ru-RU" dirty="0" smtClean="0"/>
+              <a:t>Упрощенный способ создания ленивого </a:t>
+            </a:r>
+            <a:r>
+              <a:rPr lang="ru-RU" dirty="0" smtClean="0"/>
+              <a:t>перечисляемого</a:t>
+            </a:r>
+            <a:endParaRPr lang="ru-RU" dirty="0"/>
+          </a:p>
+        </p:txBody>
+      </p:sp>
+    </p:spTree>
+    <p:extLst>
+      <p:ext uri="{BB962C8B-B14F-4D97-AF65-F5344CB8AC3E}">
+        <p14:creationId xmlns:p14="http://schemas.microsoft.com/office/powerpoint/2010/main" val="3951229687"/>
+      </p:ext>
+    </p:extLst>
+  </p:cSld>
+  <p:clrMapOvr>
+    <a:masterClrMapping/>
+  </p:clrMapOvr>
+  <p:timing>
+    <p:tnLst>
+      <p:par>
+        <p:cTn id="1" dur="indefinite" restart="never" nodeType="tmRoot"/>
+      </p:par>
+    </p:tnLst>
+  </p:timing>
+</p:sld>
+</file>
+
+<file path=ppt/slides/slide49.xml><?xml version="1.0" encoding="utf-8"?>
+<p:sld xmlns:a="http://schemas.openxmlformats.org/drawingml/2006/main" xmlns:r="http://schemas.openxmlformats.org/officeDocument/2006/relationships" xmlns:p="http://schemas.openxmlformats.org/presentationml/2006/main" show="0">
+  <p:cSld>
+    <p:spTree>
+      <p:nvGrpSpPr>
+        <p:cNvPr id="1" name=""/>
+        <p:cNvGrpSpPr/>
+        <p:nvPr/>
+      </p:nvGrpSpPr>
+      <p:grpSpPr>
+        <a:xfrm>
+          <a:off x="0" y="0"/>
+          <a:ext cx="0" cy="0"/>
+          <a:chOff x="0" y="0"/>
+          <a:chExt cx="0" cy="0"/>
+        </a:xfrm>
+      </p:grpSpPr>
+      <p:sp>
+        <p:nvSpPr>
+          <p:cNvPr id="2" name="Заголовок 1"/>
+          <p:cNvSpPr>
+            <a:spLocks noGrp="1"/>
+          </p:cNvSpPr>
+          <p:nvPr>
+            <p:ph type="title"/>
+          </p:nvPr>
+        </p:nvSpPr>
+        <p:spPr/>
+        <p:txBody>
+          <a:bodyPr/>
+          <a:lstStyle/>
+          <a:p>
+            <a:r>
+              <a:rPr lang="en-US" dirty="0" smtClean="0"/>
               <a:t>LINQ</a:t>
             </a:r>
             <a:r>
@@ -20847,6 +20962,14 @@
   <p:clrMapOvr>
     <a:masterClrMapping/>
   </p:clrMapOvr>
+  <mc:AlternateContent xmlns:mc="http://schemas.openxmlformats.org/markup-compatibility/2006">
+    <mc:Choice xmlns:p14="http://schemas.microsoft.com/office/powerpoint/2010/main" Requires="p14">
+      <p:transition spd="slow" p14:dur="2000"/>
+    </mc:Choice>
+    <mc:Fallback>
+      <p:transition spd="slow"/>
+    </mc:Fallback>
+  </mc:AlternateContent>
   <p:timing>
     <p:tnLst>
       <p:par>
@@ -20974,7 +21097,92 @@
 </p:sld>
 </file>
 
-<file path=ppt/slides/slide49.xml><?xml version="1.0" encoding="utf-8"?>
+<file path=ppt/slides/slide5.xml><?xml version="1.0" encoding="utf-8"?>
+<p:sld xmlns:a="http://schemas.openxmlformats.org/drawingml/2006/main" xmlns:r="http://schemas.openxmlformats.org/officeDocument/2006/relationships" xmlns:p="http://schemas.openxmlformats.org/presentationml/2006/main">
+  <p:cSld>
+    <p:spTree>
+      <p:nvGrpSpPr>
+        <p:cNvPr id="1" name=""/>
+        <p:cNvGrpSpPr/>
+        <p:nvPr/>
+      </p:nvGrpSpPr>
+      <p:grpSpPr>
+        <a:xfrm>
+          <a:off x="0" y="0"/>
+          <a:ext cx="0" cy="0"/>
+          <a:chOff x="0" y="0"/>
+          <a:chExt cx="0" cy="0"/>
+        </a:xfrm>
+      </p:grpSpPr>
+      <p:sp>
+        <p:nvSpPr>
+          <p:cNvPr id="4" name="Заголовок 3"/>
+          <p:cNvSpPr>
+            <a:spLocks noGrp="1"/>
+          </p:cNvSpPr>
+          <p:nvPr>
+            <p:ph type="title"/>
+          </p:nvPr>
+        </p:nvSpPr>
+        <p:spPr/>
+        <p:txBody>
+          <a:bodyPr/>
+          <a:lstStyle/>
+          <a:p>
+            <a:r>
+              <a:rPr lang="ru-RU" dirty="0" smtClean="0"/>
+              <a:t>Форматирование</a:t>
+            </a:r>
+            <a:endParaRPr lang="ru-RU" dirty="0"/>
+          </a:p>
+        </p:txBody>
+      </p:sp>
+      <p:sp>
+        <p:nvSpPr>
+          <p:cNvPr id="5" name="Текст 4"/>
+          <p:cNvSpPr>
+            <a:spLocks noGrp="1"/>
+          </p:cNvSpPr>
+          <p:nvPr>
+            <p:ph type="body" idx="1"/>
+          </p:nvPr>
+        </p:nvSpPr>
+        <p:spPr/>
+        <p:txBody>
+          <a:bodyPr>
+            <a:normAutofit/>
+          </a:bodyPr>
+          <a:lstStyle/>
+          <a:p>
+            <a:r>
+              <a:rPr lang="ru-RU" sz="2400" dirty="0" smtClean="0"/>
+              <a:t>красота</a:t>
+            </a:r>
+            <a:endParaRPr lang="ru-RU" sz="2400" dirty="0"/>
+          </a:p>
+        </p:txBody>
+      </p:sp>
+    </p:spTree>
+    <p:extLst>
+      <p:ext uri="{BB962C8B-B14F-4D97-AF65-F5344CB8AC3E}">
+        <p14:creationId xmlns:p14="http://schemas.microsoft.com/office/powerpoint/2010/main" val="1416568573"/>
+      </p:ext>
+    </p:extLst>
+  </p:cSld>
+  <p:clrMapOvr>
+    <a:masterClrMapping/>
+  </p:clrMapOvr>
+  <p:timing>
+    <p:tnLst>
+      <p:par>
+        <p:cTn id="1" dur="indefinite" restart="never" nodeType="tmRoot"/>
+      </p:par>
+    </p:tnLst>
+  </p:timing>
+</p:sld>
+</file>
+
+<file path=ppt/slides/slide50.xml><?xml version="1.0" encoding="utf-8"?>
 <p:sld xmlns:a="http://schemas.openxmlformats.org/drawingml/2006/main" xmlns:r="http://schemas.openxmlformats.org/officeDocument/2006/relationships" xmlns:p="http://schemas.openxmlformats.org/presentationml/2006/main">
   <p:cSld>
     <p:spTree>
@@ -21773,7 +21981,7 @@
                             </p:stCondLst>
                             <p:childTnLst>
                               <p:par>
-                                <p:cTn id="5" presetID="1" presetClass="entr" presetSubtype="0" fill="hold" grpId="0" nodeType="clickEffect">
+                                <p:cTn id="5" presetID="2" presetClass="entr" presetSubtype="8" fill="hold" grpId="0" nodeType="clickEffect">
                                   <p:stCondLst>
                                     <p:cond delay="0"/>
                                   </p:stCondLst>
@@ -21781,6 +21989,97 @@
                                     <p:set>
                                       <p:cBhvr>
                                         <p:cTn id="6" dur="1" fill="hold">
+                                          <p:stCondLst>
+                                            <p:cond delay="0"/>
+                                          </p:stCondLst>
+                                        </p:cTn>
+                                        <p:tgtEl>
+                                          <p:spTgt spid="6"/>
+                                        </p:tgtEl>
+                                        <p:attrNameLst>
+                                          <p:attrName>style.visibility</p:attrName>
+                                        </p:attrNameLst>
+                                      </p:cBhvr>
+                                      <p:to>
+                                        <p:strVal val="visible"/>
+                                      </p:to>
+                                    </p:set>
+                                    <p:anim calcmode="lin" valueType="num">
+                                      <p:cBhvr additive="base">
+                                        <p:cTn id="7" dur="300000" fill="hold"/>
+                                        <p:tgtEl>
+                                          <p:spTgt spid="6"/>
+                                        </p:tgtEl>
+                                        <p:attrNameLst>
+                                          <p:attrName>ppt_x</p:attrName>
+                                        </p:attrNameLst>
+                                      </p:cBhvr>
+                                      <p:tavLst>
+                                        <p:tav tm="0">
+                                          <p:val>
+                                            <p:strVal val="0-#ppt_w/2"/>
+                                          </p:val>
+                                        </p:tav>
+                                        <p:tav tm="100000">
+                                          <p:val>
+                                            <p:strVal val="#ppt_x"/>
+                                          </p:val>
+                                        </p:tav>
+                                      </p:tavLst>
+                                    </p:anim>
+                                    <p:anim calcmode="lin" valueType="num">
+                                      <p:cBhvr additive="base">
+                                        <p:cTn id="8" dur="300000" fill="hold"/>
+                                        <p:tgtEl>
+                                          <p:spTgt spid="6"/>
+                                        </p:tgtEl>
+                                        <p:attrNameLst>
+                                          <p:attrName>ppt_y</p:attrName>
+                                        </p:attrNameLst>
+                                      </p:cBhvr>
+                                      <p:tavLst>
+                                        <p:tav tm="0">
+                                          <p:val>
+                                            <p:strVal val="#ppt_y"/>
+                                          </p:val>
+                                        </p:tav>
+                                        <p:tav tm="100000">
+                                          <p:val>
+                                            <p:strVal val="#ppt_y"/>
+                                          </p:val>
+                                        </p:tav>
+                                      </p:tavLst>
+                                    </p:anim>
+                                  </p:childTnLst>
+                                </p:cTn>
+                              </p:par>
+                            </p:childTnLst>
+                          </p:cTn>
+                        </p:par>
+                      </p:childTnLst>
+                    </p:cTn>
+                  </p:par>
+                  <p:par>
+                    <p:cTn id="9" fill="hold">
+                      <p:stCondLst>
+                        <p:cond delay="indefinite"/>
+                      </p:stCondLst>
+                      <p:childTnLst>
+                        <p:par>
+                          <p:cTn id="10" fill="hold">
+                            <p:stCondLst>
+                              <p:cond delay="0"/>
+                            </p:stCondLst>
+                            <p:childTnLst>
+                              <p:par>
+                                <p:cTn id="11" presetID="1" presetClass="entr" presetSubtype="0" fill="hold" grpId="0" nodeType="clickEffect">
+                                  <p:stCondLst>
+                                    <p:cond delay="0"/>
+                                  </p:stCondLst>
+                                  <p:childTnLst>
+                                    <p:set>
+                                      <p:cBhvr>
+                                        <p:cTn id="12" dur="1" fill="hold">
                                           <p:stCondLst>
                                             <p:cond delay="0"/>
                                           </p:stCondLst>
@@ -21810,26 +22109,26 @@
                     </p:cTn>
                   </p:par>
                   <p:par>
-                    <p:cTn id="7" fill="hold">
+                    <p:cTn id="13" fill="hold">
                       <p:stCondLst>
                         <p:cond delay="indefinite"/>
                       </p:stCondLst>
                       <p:childTnLst>
                         <p:par>
-                          <p:cTn id="8" fill="hold">
+                          <p:cTn id="14" fill="hold">
                             <p:stCondLst>
                               <p:cond delay="0"/>
                             </p:stCondLst>
                             <p:childTnLst>
                               <p:par>
-                                <p:cTn id="9" presetID="1" presetClass="entr" presetSubtype="0" fill="hold" grpId="0" nodeType="clickEffect">
+                                <p:cTn id="15" presetID="1" presetClass="entr" presetSubtype="0" fill="hold" grpId="0" nodeType="clickEffect">
                                   <p:stCondLst>
                                     <p:cond delay="0"/>
                                   </p:stCondLst>
                                   <p:childTnLst>
                                     <p:set>
                                       <p:cBhvr>
-                                        <p:cTn id="10" dur="1" fill="hold">
+                                        <p:cTn id="16" dur="1" fill="hold">
                                           <p:stCondLst>
                                             <p:cond delay="0"/>
                                           </p:stCondLst>
@@ -21859,26 +22158,26 @@
                     </p:cTn>
                   </p:par>
                   <p:par>
-                    <p:cTn id="11" fill="hold">
+                    <p:cTn id="17" fill="hold">
                       <p:stCondLst>
                         <p:cond delay="indefinite"/>
                       </p:stCondLst>
                       <p:childTnLst>
                         <p:par>
-                          <p:cTn id="12" fill="hold">
+                          <p:cTn id="18" fill="hold">
                             <p:stCondLst>
                               <p:cond delay="0"/>
                             </p:stCondLst>
                             <p:childTnLst>
                               <p:par>
-                                <p:cTn id="13" presetID="1" presetClass="entr" presetSubtype="0" fill="hold" grpId="0" nodeType="clickEffect">
+                                <p:cTn id="19" presetID="1" presetClass="entr" presetSubtype="0" fill="hold" grpId="0" nodeType="clickEffect">
                                   <p:stCondLst>
                                     <p:cond delay="0"/>
                                   </p:stCondLst>
                                   <p:childTnLst>
                                     <p:set>
                                       <p:cBhvr>
-                                        <p:cTn id="14" dur="1" fill="hold">
+                                        <p:cTn id="20" dur="1" fill="hold">
                                           <p:stCondLst>
                                             <p:cond delay="0"/>
                                           </p:stCondLst>
@@ -21908,26 +22207,26 @@
                     </p:cTn>
                   </p:par>
                   <p:par>
-                    <p:cTn id="15" fill="hold">
+                    <p:cTn id="21" fill="hold">
                       <p:stCondLst>
                         <p:cond delay="indefinite"/>
                       </p:stCondLst>
                       <p:childTnLst>
                         <p:par>
-                          <p:cTn id="16" fill="hold">
+                          <p:cTn id="22" fill="hold">
                             <p:stCondLst>
                               <p:cond delay="0"/>
                             </p:stCondLst>
                             <p:childTnLst>
                               <p:par>
-                                <p:cTn id="17" presetID="1" presetClass="entr" presetSubtype="0" fill="hold" grpId="0" nodeType="clickEffect">
+                                <p:cTn id="23" presetID="1" presetClass="entr" presetSubtype="0" fill="hold" grpId="0" nodeType="clickEffect">
                                   <p:stCondLst>
                                     <p:cond delay="0"/>
                                   </p:stCondLst>
                                   <p:childTnLst>
                                     <p:set>
                                       <p:cBhvr>
-                                        <p:cTn id="18" dur="1" fill="hold">
+                                        <p:cTn id="24" dur="1" fill="hold">
                                           <p:stCondLst>
                                             <p:cond delay="0"/>
                                           </p:stCondLst>
@@ -21957,26 +22256,26 @@
                     </p:cTn>
                   </p:par>
                   <p:par>
-                    <p:cTn id="19" fill="hold">
+                    <p:cTn id="25" fill="hold">
                       <p:stCondLst>
                         <p:cond delay="indefinite"/>
                       </p:stCondLst>
                       <p:childTnLst>
                         <p:par>
-                          <p:cTn id="20" fill="hold">
+                          <p:cTn id="26" fill="hold">
                             <p:stCondLst>
                               <p:cond delay="0"/>
                             </p:stCondLst>
                             <p:childTnLst>
                               <p:par>
-                                <p:cTn id="21" presetID="1" presetClass="entr" presetSubtype="0" fill="hold" grpId="0" nodeType="clickEffect">
+                                <p:cTn id="27" presetID="1" presetClass="entr" presetSubtype="0" fill="hold" grpId="0" nodeType="clickEffect">
                                   <p:stCondLst>
                                     <p:cond delay="0"/>
                                   </p:stCondLst>
                                   <p:childTnLst>
                                     <p:set>
                                       <p:cBhvr>
-                                        <p:cTn id="22" dur="1" fill="hold">
+                                        <p:cTn id="28" dur="1" fill="hold">
                                           <p:stCondLst>
                                             <p:cond delay="0"/>
                                           </p:stCondLst>
@@ -21996,97 +22295,6 @@
                                         <p:strVal val="visible"/>
                                       </p:to>
                                     </p:set>
-                                  </p:childTnLst>
-                                </p:cTn>
-                              </p:par>
-                            </p:childTnLst>
-                          </p:cTn>
-                        </p:par>
-                      </p:childTnLst>
-                    </p:cTn>
-                  </p:par>
-                  <p:par>
-                    <p:cTn id="23" fill="hold">
-                      <p:stCondLst>
-                        <p:cond delay="indefinite"/>
-                      </p:stCondLst>
-                      <p:childTnLst>
-                        <p:par>
-                          <p:cTn id="24" fill="hold">
-                            <p:stCondLst>
-                              <p:cond delay="0"/>
-                            </p:stCondLst>
-                            <p:childTnLst>
-                              <p:par>
-                                <p:cTn id="25" presetID="2" presetClass="entr" presetSubtype="8" fill="hold" grpId="0" nodeType="clickEffect">
-                                  <p:stCondLst>
-                                    <p:cond delay="0"/>
-                                  </p:stCondLst>
-                                  <p:childTnLst>
-                                    <p:set>
-                                      <p:cBhvr>
-                                        <p:cTn id="26" dur="1" fill="hold">
-                                          <p:stCondLst>
-                                            <p:cond delay="0"/>
-                                          </p:stCondLst>
-                                        </p:cTn>
-                                        <p:tgtEl>
-                                          <p:spTgt spid="6"/>
-                                        </p:tgtEl>
-                                        <p:attrNameLst>
-                                          <p:attrName>style.visibility</p:attrName>
-                                        </p:attrNameLst>
-                                      </p:cBhvr>
-                                      <p:to>
-                                        <p:strVal val="visible"/>
-                                      </p:to>
-                                    </p:set>
-                                    <p:anim calcmode="lin" valueType="num">
-                                      <p:cBhvr additive="base">
-                                        <p:cTn id="27" dur="300000" fill="hold"/>
-                                        <p:tgtEl>
-                                          <p:spTgt spid="6"/>
-                                        </p:tgtEl>
-                                        <p:attrNameLst>
-                                          <p:attrName>ppt_x</p:attrName>
-                                        </p:attrNameLst>
-                                      </p:cBhvr>
-                                      <p:tavLst>
-                                        <p:tav tm="0">
-                                          <p:val>
-                                            <p:strVal val="0-#ppt_w/2"/>
-                                          </p:val>
-                                        </p:tav>
-                                        <p:tav tm="100000">
-                                          <p:val>
-                                            <p:strVal val="#ppt_x"/>
-                                          </p:val>
-                                        </p:tav>
-                                      </p:tavLst>
-                                    </p:anim>
-                                    <p:anim calcmode="lin" valueType="num">
-                                      <p:cBhvr additive="base">
-                                        <p:cTn id="28" dur="300000" fill="hold"/>
-                                        <p:tgtEl>
-                                          <p:spTgt spid="6"/>
-                                        </p:tgtEl>
-                                        <p:attrNameLst>
-                                          <p:attrName>ppt_y</p:attrName>
-                                        </p:attrNameLst>
-                                      </p:cBhvr>
-                                      <p:tavLst>
-                                        <p:tav tm="0">
-                                          <p:val>
-                                            <p:strVal val="#ppt_y"/>
-                                          </p:val>
-                                        </p:tav>
-                                        <p:tav tm="100000">
-                                          <p:val>
-                                            <p:strVal val="#ppt_y"/>
-                                          </p:val>
-                                        </p:tav>
-                                      </p:tavLst>
-                                    </p:anim>
                                   </p:childTnLst>
                                 </p:cTn>
                               </p:par>
@@ -22125,92 +22333,7 @@
 </p:sld>
 </file>
 
-<file path=ppt/slides/slide5.xml><?xml version="1.0" encoding="utf-8"?>
-<p:sld xmlns:a="http://schemas.openxmlformats.org/drawingml/2006/main" xmlns:r="http://schemas.openxmlformats.org/officeDocument/2006/relationships" xmlns:p="http://schemas.openxmlformats.org/presentationml/2006/main">
-  <p:cSld>
-    <p:spTree>
-      <p:nvGrpSpPr>
-        <p:cNvPr id="1" name=""/>
-        <p:cNvGrpSpPr/>
-        <p:nvPr/>
-      </p:nvGrpSpPr>
-      <p:grpSpPr>
-        <a:xfrm>
-          <a:off x="0" y="0"/>
-          <a:ext cx="0" cy="0"/>
-          <a:chOff x="0" y="0"/>
-          <a:chExt cx="0" cy="0"/>
-        </a:xfrm>
-      </p:grpSpPr>
-      <p:sp>
-        <p:nvSpPr>
-          <p:cNvPr id="4" name="Заголовок 3"/>
-          <p:cNvSpPr>
-            <a:spLocks noGrp="1"/>
-          </p:cNvSpPr>
-          <p:nvPr>
-            <p:ph type="title"/>
-          </p:nvPr>
-        </p:nvSpPr>
-        <p:spPr/>
-        <p:txBody>
-          <a:bodyPr/>
-          <a:lstStyle/>
-          <a:p>
-            <a:r>
-              <a:rPr lang="ru-RU" dirty="0" smtClean="0"/>
-              <a:t>Форматирование</a:t>
-            </a:r>
-            <a:endParaRPr lang="ru-RU" dirty="0"/>
-          </a:p>
-        </p:txBody>
-      </p:sp>
-      <p:sp>
-        <p:nvSpPr>
-          <p:cNvPr id="5" name="Текст 4"/>
-          <p:cNvSpPr>
-            <a:spLocks noGrp="1"/>
-          </p:cNvSpPr>
-          <p:nvPr>
-            <p:ph type="body" idx="1"/>
-          </p:nvPr>
-        </p:nvSpPr>
-        <p:spPr/>
-        <p:txBody>
-          <a:bodyPr>
-            <a:normAutofit/>
-          </a:bodyPr>
-          <a:lstStyle/>
-          <a:p>
-            <a:r>
-              <a:rPr lang="ru-RU" sz="2400" dirty="0" smtClean="0"/>
-              <a:t>красота</a:t>
-            </a:r>
-            <a:endParaRPr lang="ru-RU" sz="2400" dirty="0"/>
-          </a:p>
-        </p:txBody>
-      </p:sp>
-    </p:spTree>
-    <p:extLst>
-      <p:ext uri="{BB962C8B-B14F-4D97-AF65-F5344CB8AC3E}">
-        <p14:creationId xmlns:p14="http://schemas.microsoft.com/office/powerpoint/2010/main" val="1416568573"/>
-      </p:ext>
-    </p:extLst>
-  </p:cSld>
-  <p:clrMapOvr>
-    <a:masterClrMapping/>
-  </p:clrMapOvr>
-  <p:timing>
-    <p:tnLst>
-      <p:par>
-        <p:cTn id="1" dur="indefinite" restart="never" nodeType="tmRoot"/>
-      </p:par>
-    </p:tnLst>
-  </p:timing>
-</p:sld>
-</file>
-
-<file path=ppt/slides/slide50.xml><?xml version="1.0" encoding="utf-8"?>
+<file path=ppt/slides/slide51.xml><?xml version="1.0" encoding="utf-8"?>
 <p:sld xmlns:a="http://schemas.openxmlformats.org/drawingml/2006/main" xmlns:r="http://schemas.openxmlformats.org/officeDocument/2006/relationships" xmlns:p="http://schemas.openxmlformats.org/presentationml/2006/main">
   <p:cSld>
     <p:spTree>
@@ -23147,7 +23270,7 @@
 </p:sld>
 </file>
 
-<file path=ppt/slides/slide51.xml><?xml version="1.0" encoding="utf-8"?>
+<file path=ppt/slides/slide52.xml><?xml version="1.0" encoding="utf-8"?>
 <p:sld xmlns:a="http://schemas.openxmlformats.org/drawingml/2006/main" xmlns:r="http://schemas.openxmlformats.org/officeDocument/2006/relationships" xmlns:p="http://schemas.openxmlformats.org/presentationml/2006/main">
   <p:cSld>
     <p:spTree>
@@ -23822,7 +23945,7 @@
 </p:sld>
 </file>
 
-<file path=ppt/slides/slide52.xml><?xml version="1.0" encoding="utf-8"?>
+<file path=ppt/slides/slide53.xml><?xml version="1.0" encoding="utf-8"?>
 <p:sld xmlns:a="http://schemas.openxmlformats.org/drawingml/2006/main" xmlns:r="http://schemas.openxmlformats.org/officeDocument/2006/relationships" xmlns:p="http://schemas.openxmlformats.org/presentationml/2006/main">
   <p:cSld>
     <p:spTree>
@@ -24711,7 +24834,7 @@
 </p:sld>
 </file>
 
-<file path=ppt/slides/slide53.xml><?xml version="1.0" encoding="utf-8"?>
+<file path=ppt/slides/slide54.xml><?xml version="1.0" encoding="utf-8"?>
 <p:sld xmlns:a="http://schemas.openxmlformats.org/drawingml/2006/main" xmlns:r="http://schemas.openxmlformats.org/officeDocument/2006/relationships" xmlns:p="http://schemas.openxmlformats.org/presentationml/2006/main">
   <p:cSld>
     <p:spTree>
@@ -25933,7 +26056,7 @@
 </p:sld>
 </file>
 
-<file path=ppt/slides/slide54.xml><?xml version="1.0" encoding="utf-8"?>
+<file path=ppt/slides/slide55.xml><?xml version="1.0" encoding="utf-8"?>
 <p:sld xmlns:a="http://schemas.openxmlformats.org/drawingml/2006/main" xmlns:r="http://schemas.openxmlformats.org/officeDocument/2006/relationships" xmlns:p="http://schemas.openxmlformats.org/presentationml/2006/main">
   <p:cSld>
     <p:spTree>
@@ -26446,7 +26569,7 @@
 </p:sld>
 </file>
 
-<file path=ppt/slides/slide55.xml><?xml version="1.0" encoding="utf-8"?>
+<file path=ppt/slides/slide56.xml><?xml version="1.0" encoding="utf-8"?>
 <p:sld xmlns:a="http://schemas.openxmlformats.org/drawingml/2006/main" xmlns:r="http://schemas.openxmlformats.org/officeDocument/2006/relationships" xmlns:p="http://schemas.openxmlformats.org/presentationml/2006/main">
   <p:cSld>
     <p:spTree>
@@ -26700,7 +26823,7 @@
 </p:sld>
 </file>
 
-<file path=ppt/slides/slide56.xml><?xml version="1.0" encoding="utf-8"?>
+<file path=ppt/slides/slide57.xml><?xml version="1.0" encoding="utf-8"?>
 <p:sld xmlns:a="http://schemas.openxmlformats.org/drawingml/2006/main" xmlns:r="http://schemas.openxmlformats.org/officeDocument/2006/relationships" xmlns:p="http://schemas.openxmlformats.org/presentationml/2006/main">
   <p:cSld>
     <p:spTree>
@@ -26839,7 +26962,7 @@
 </p:sld>
 </file>
 
-<file path=ppt/slides/slide57.xml><?xml version="1.0" encoding="utf-8"?>
+<file path=ppt/slides/slide58.xml><?xml version="1.0" encoding="utf-8"?>
 <p:sld xmlns:a="http://schemas.openxmlformats.org/drawingml/2006/main" xmlns:r="http://schemas.openxmlformats.org/officeDocument/2006/relationships" xmlns:p="http://schemas.openxmlformats.org/presentationml/2006/main">
   <p:cSld>
     <p:spTree>
@@ -26918,7 +27041,7 @@
 </p:sld>
 </file>
 
-<file path=ppt/slides/slide58.xml><?xml version="1.0" encoding="utf-8"?>
+<file path=ppt/slides/slide59.xml><?xml version="1.0" encoding="utf-8"?>
 <p:sld xmlns:a="http://schemas.openxmlformats.org/drawingml/2006/main" xmlns:r="http://schemas.openxmlformats.org/officeDocument/2006/relationships" xmlns:p="http://schemas.openxmlformats.org/presentationml/2006/main">
   <p:cSld>
     <p:spTree>
@@ -27686,112 +27809,6 @@
 </p:sld>
 </file>
 
-<file path=ppt/slides/slide59.xml><?xml version="1.0" encoding="utf-8"?>
-<p:sld xmlns:a="http://schemas.openxmlformats.org/drawingml/2006/main" xmlns:r="http://schemas.openxmlformats.org/officeDocument/2006/relationships" xmlns:p="http://schemas.openxmlformats.org/presentationml/2006/main">
-  <p:cSld>
-    <p:spTree>
-      <p:nvGrpSpPr>
-        <p:cNvPr id="1" name=""/>
-        <p:cNvGrpSpPr/>
-        <p:nvPr/>
-      </p:nvGrpSpPr>
-      <p:grpSpPr>
-        <a:xfrm>
-          <a:off x="0" y="0"/>
-          <a:ext cx="0" cy="0"/>
-          <a:chOff x="0" y="0"/>
-          <a:chExt cx="0" cy="0"/>
-        </a:xfrm>
-      </p:grpSpPr>
-      <p:sp>
-        <p:nvSpPr>
-          <p:cNvPr id="2" name="Заголовок 1"/>
-          <p:cNvSpPr>
-            <a:spLocks noGrp="1"/>
-          </p:cNvSpPr>
-          <p:nvPr>
-            <p:ph type="title"/>
-          </p:nvPr>
-        </p:nvSpPr>
-        <p:spPr>
-          <a:xfrm>
-            <a:off x="457200" y="260648"/>
-            <a:ext cx="8229600" cy="1143000"/>
-          </a:xfrm>
-        </p:spPr>
-        <p:txBody>
-          <a:bodyPr/>
-          <a:lstStyle/>
-          <a:p>
-            <a:r>
-              <a:rPr lang="ru-RU" dirty="0" smtClean="0"/>
-              <a:t>Каждый должен хотя бы раз…</a:t>
-            </a:r>
-            <a:endParaRPr lang="ru-RU" dirty="0"/>
-          </a:p>
-        </p:txBody>
-      </p:sp>
-      <p:pic>
-        <p:nvPicPr>
-          <p:cNvPr id="3074" name="Picture 2" descr="http://static.ozone.ru/multimedia/books_covers/1001563239.jpg"/>
-          <p:cNvPicPr>
-            <a:picLocks noChangeAspect="1" noChangeArrowheads="1"/>
-          </p:cNvPicPr>
-          <p:nvPr/>
-        </p:nvPicPr>
-        <p:blipFill>
-          <a:blip r:embed="rId2">
-            <a:extLst>
-              <a:ext uri="{28A0092B-C50C-407E-A947-70E740481C1C}">
-                <a14:useLocalDpi xmlns:a14="http://schemas.microsoft.com/office/drawing/2010/main" val="0"/>
-              </a:ext>
-            </a:extLst>
-          </a:blip>
-          <a:srcRect/>
-          <a:stretch>
-            <a:fillRect/>
-          </a:stretch>
-        </p:blipFill>
-        <p:spPr bwMode="auto">
-          <a:xfrm>
-            <a:off x="2699792" y="1268760"/>
-            <a:ext cx="3483632" cy="4877084"/>
-          </a:xfrm>
-          <a:prstGeom prst="rect">
-            <a:avLst/>
-          </a:prstGeom>
-          <a:noFill/>
-          <a:extLst>
-            <a:ext uri="{909E8E84-426E-40DD-AFC4-6F175D3DCCD1}">
-              <a14:hiddenFill xmlns:a14="http://schemas.microsoft.com/office/drawing/2010/main">
-                <a:solidFill>
-                  <a:srgbClr val="FFFFFF"/>
-                </a:solidFill>
-              </a14:hiddenFill>
-            </a:ext>
-          </a:extLst>
-        </p:spPr>
-      </p:pic>
-    </p:spTree>
-    <p:extLst>
-      <p:ext uri="{BB962C8B-B14F-4D97-AF65-F5344CB8AC3E}">
-        <p14:creationId xmlns:p14="http://schemas.microsoft.com/office/powerpoint/2010/main" val="4263424599"/>
-      </p:ext>
-    </p:extLst>
-  </p:cSld>
-  <p:clrMapOvr>
-    <a:masterClrMapping/>
-  </p:clrMapOvr>
-  <p:timing>
-    <p:tnLst>
-      <p:par>
-        <p:cTn id="1" dur="indefinite" restart="never" nodeType="tmRoot"/>
-      </p:par>
-    </p:tnLst>
-  </p:timing>
-</p:sld>
-</file>
-
 <file path=ppt/slides/slide6.xml><?xml version="1.0" encoding="utf-8"?>
 <p:sld xmlns:a="http://schemas.openxmlformats.org/drawingml/2006/main" xmlns:r="http://schemas.openxmlformats.org/officeDocument/2006/relationships" xmlns:p="http://schemas.openxmlformats.org/presentationml/2006/main">
   <p:cSld>
@@ -28086,6 +28103,112 @@
     <p:bldLst>
       <p:bldP spid="3" grpId="0" build="p"/>
     </p:bldLst>
+  </p:timing>
+</p:sld>
+</file>
+
+<file path=ppt/slides/slide60.xml><?xml version="1.0" encoding="utf-8"?>
+<p:sld xmlns:a="http://schemas.openxmlformats.org/drawingml/2006/main" xmlns:r="http://schemas.openxmlformats.org/officeDocument/2006/relationships" xmlns:p="http://schemas.openxmlformats.org/presentationml/2006/main">
+  <p:cSld>
+    <p:spTree>
+      <p:nvGrpSpPr>
+        <p:cNvPr id="1" name=""/>
+        <p:cNvGrpSpPr/>
+        <p:nvPr/>
+      </p:nvGrpSpPr>
+      <p:grpSpPr>
+        <a:xfrm>
+          <a:off x="0" y="0"/>
+          <a:ext cx="0" cy="0"/>
+          <a:chOff x="0" y="0"/>
+          <a:chExt cx="0" cy="0"/>
+        </a:xfrm>
+      </p:grpSpPr>
+      <p:sp>
+        <p:nvSpPr>
+          <p:cNvPr id="2" name="Заголовок 1"/>
+          <p:cNvSpPr>
+            <a:spLocks noGrp="1"/>
+          </p:cNvSpPr>
+          <p:nvPr>
+            <p:ph type="title"/>
+          </p:nvPr>
+        </p:nvSpPr>
+        <p:spPr>
+          <a:xfrm>
+            <a:off x="457200" y="260648"/>
+            <a:ext cx="8229600" cy="1143000"/>
+          </a:xfrm>
+        </p:spPr>
+        <p:txBody>
+          <a:bodyPr/>
+          <a:lstStyle/>
+          <a:p>
+            <a:r>
+              <a:rPr lang="ru-RU" dirty="0" smtClean="0"/>
+              <a:t>Каждый должен хотя бы раз…</a:t>
+            </a:r>
+            <a:endParaRPr lang="ru-RU" dirty="0"/>
+          </a:p>
+        </p:txBody>
+      </p:sp>
+      <p:pic>
+        <p:nvPicPr>
+          <p:cNvPr id="3074" name="Picture 2" descr="http://static.ozone.ru/multimedia/books_covers/1001563239.jpg"/>
+          <p:cNvPicPr>
+            <a:picLocks noChangeAspect="1" noChangeArrowheads="1"/>
+          </p:cNvPicPr>
+          <p:nvPr/>
+        </p:nvPicPr>
+        <p:blipFill>
+          <a:blip r:embed="rId2">
+            <a:extLst>
+              <a:ext uri="{28A0092B-C50C-407E-A947-70E740481C1C}">
+                <a14:useLocalDpi xmlns:a14="http://schemas.microsoft.com/office/drawing/2010/main" val="0"/>
+              </a:ext>
+            </a:extLst>
+          </a:blip>
+          <a:srcRect/>
+          <a:stretch>
+            <a:fillRect/>
+          </a:stretch>
+        </p:blipFill>
+        <p:spPr bwMode="auto">
+          <a:xfrm>
+            <a:off x="2699792" y="1268760"/>
+            <a:ext cx="3483632" cy="4877084"/>
+          </a:xfrm>
+          <a:prstGeom prst="rect">
+            <a:avLst/>
+          </a:prstGeom>
+          <a:noFill/>
+          <a:extLst>
+            <a:ext uri="{909E8E84-426E-40DD-AFC4-6F175D3DCCD1}">
+              <a14:hiddenFill xmlns:a14="http://schemas.microsoft.com/office/drawing/2010/main">
+                <a:solidFill>
+                  <a:srgbClr val="FFFFFF"/>
+                </a:solidFill>
+              </a14:hiddenFill>
+            </a:ext>
+          </a:extLst>
+        </p:spPr>
+      </p:pic>
+    </p:spTree>
+    <p:extLst>
+      <p:ext uri="{BB962C8B-B14F-4D97-AF65-F5344CB8AC3E}">
+        <p14:creationId xmlns:p14="http://schemas.microsoft.com/office/powerpoint/2010/main" val="4263424599"/>
+      </p:ext>
+    </p:extLst>
+  </p:cSld>
+  <p:clrMapOvr>
+    <a:masterClrMapping/>
+  </p:clrMapOvr>
+  <p:timing>
+    <p:tnLst>
+      <p:par>
+        <p:cTn id="1" dur="indefinite" restart="never" nodeType="tmRoot"/>
+      </p:par>
+    </p:tnLst>
   </p:timing>
 </p:sld>
 </file>
